--- a/Moodle-helper.pptx
+++ b/Moodle-helper.pptx
@@ -5,17 +5,22 @@
     <p:sldMasterId id="2147483672" r:id="rId1"/>
   </p:sldMasterIdLst>
   <p:notesMasterIdLst>
-    <p:notesMasterId r:id="rId7"/>
+    <p:notesMasterId r:id="rId12"/>
   </p:notesMasterIdLst>
   <p:handoutMasterIdLst>
-    <p:handoutMasterId r:id="rId8"/>
+    <p:handoutMasterId r:id="rId13"/>
   </p:handoutMasterIdLst>
   <p:sldIdLst>
     <p:sldId id="256" r:id="rId2"/>
     <p:sldId id="261" r:id="rId3"/>
-    <p:sldId id="258" r:id="rId4"/>
-    <p:sldId id="259" r:id="rId5"/>
-    <p:sldId id="260" r:id="rId6"/>
+    <p:sldId id="262" r:id="rId4"/>
+    <p:sldId id="263" r:id="rId5"/>
+    <p:sldId id="264" r:id="rId6"/>
+    <p:sldId id="265" r:id="rId7"/>
+    <p:sldId id="267" r:id="rId8"/>
+    <p:sldId id="259" r:id="rId9"/>
+    <p:sldId id="268" r:id="rId10"/>
+    <p:sldId id="260" r:id="rId11"/>
   </p:sldIdLst>
   <p:sldSz cx="12192000" cy="6858000"/>
   <p:notesSz cx="6858000" cy="9144000"/>
@@ -1642,7 +1647,7 @@
           </a:pPr>
           <a:r>
             <a:rPr lang="de-DE" noProof="0" dirty="0" err="1"/>
-            <a:t>Enrollment</a:t>
+            <a:t>Enrolment</a:t>
           </a:r>
           <a:r>
             <a:rPr lang="de-DE" noProof="0" dirty="0"/>
@@ -1987,16 +1992,12 @@
             </a:lnSpc>
           </a:pPr>
           <a:r>
-            <a:rPr lang="de-DE" noProof="0" dirty="0" err="1"/>
-            <a:t>Lorem</a:t>
+            <a:rPr lang="de-DE" noProof="0" dirty="0"/>
+            <a:t>Chrome </a:t>
           </a:r>
           <a:r>
-            <a:rPr lang="de-DE" noProof="0" dirty="0"/>
-            <a:t> </a:t>
-          </a:r>
-          <a:r>
-            <a:rPr lang="de-DE" noProof="0"/>
-            <a:t>ipsum</a:t>
+            <a:rPr lang="de-DE" noProof="0" dirty="0" err="1"/>
+            <a:t>extension</a:t>
           </a:r>
           <a:endParaRPr lang="de-DE" noProof="0" dirty="0"/>
         </a:p>
@@ -2039,9 +2040,18 @@
             </a:lnSpc>
           </a:pPr>
           <a:r>
+            <a:rPr lang="de-DE" noProof="0" dirty="0" err="1"/>
+            <a:t>Using</a:t>
+          </a:r>
+          <a:r>
             <a:rPr lang="de-DE" noProof="0" dirty="0"/>
-            <a:t>Hybrid</a:t>
+            <a:t> </a:t>
           </a:r>
+          <a:r>
+            <a:rPr lang="de-DE" noProof="0" dirty="0" err="1"/>
+            <a:t>feedback</a:t>
+          </a:r>
+          <a:endParaRPr lang="de-DE" noProof="0" dirty="0"/>
         </a:p>
       </dgm:t>
     </dgm:pt>
@@ -2083,8 +2093,13 @@
           </a:pPr>
           <a:r>
             <a:rPr lang="de-DE" noProof="0" dirty="0"/>
-            <a:t>Regionalität</a:t>
+            <a:t>Valuable </a:t>
           </a:r>
+          <a:r>
+            <a:rPr lang="de-DE" noProof="0" dirty="0" err="1"/>
+            <a:t>product</a:t>
+          </a:r>
+          <a:endParaRPr lang="de-DE" noProof="0" dirty="0"/>
         </a:p>
       </dgm:t>
     </dgm:pt>
@@ -2336,7 +2351,7 @@
           </a:pPr>
           <a:r>
             <a:rPr lang="de-DE" sz="3600" kern="1200" noProof="0" dirty="0" err="1"/>
-            <a:t>Enrollment</a:t>
+            <a:t>Enrolment</a:t>
           </a:r>
           <a:r>
             <a:rPr lang="de-DE" sz="3600" kern="1200" noProof="0" dirty="0"/>
@@ -2717,16 +2732,12 @@
             <a:buNone/>
           </a:pPr>
           <a:r>
-            <a:rPr lang="de-DE" sz="3500" kern="1200" noProof="0" dirty="0" err="1"/>
-            <a:t>Lorem</a:t>
+            <a:rPr lang="de-DE" sz="3500" kern="1200" noProof="0" dirty="0"/>
+            <a:t>Chrome </a:t>
           </a:r>
           <a:r>
-            <a:rPr lang="de-DE" sz="3500" kern="1200" noProof="0" dirty="0"/>
-            <a:t> </a:t>
-          </a:r>
-          <a:r>
-            <a:rPr lang="de-DE" sz="3500" kern="1200" noProof="0"/>
-            <a:t>ipsum</a:t>
+            <a:rPr lang="de-DE" sz="3500" kern="1200" noProof="0" dirty="0" err="1"/>
+            <a:t>extension</a:t>
           </a:r>
           <a:endParaRPr lang="de-DE" sz="3500" kern="1200" noProof="0" dirty="0"/>
         </a:p>
@@ -2866,8 +2877,13 @@
           </a:pPr>
           <a:r>
             <a:rPr lang="de-DE" sz="3500" kern="1200" noProof="0" dirty="0"/>
-            <a:t>Regionalität</a:t>
+            <a:t>Valuable </a:t>
           </a:r>
+          <a:r>
+            <a:rPr lang="de-DE" sz="3500" kern="1200" noProof="0" dirty="0" err="1"/>
+            <a:t>product</a:t>
+          </a:r>
+          <a:endParaRPr lang="de-DE" sz="3500" kern="1200" noProof="0" dirty="0"/>
         </a:p>
       </dsp:txBody>
       <dsp:txXfrm>
@@ -3004,9 +3020,18 @@
             <a:buNone/>
           </a:pPr>
           <a:r>
+            <a:rPr lang="de-DE" sz="3500" kern="1200" noProof="0" dirty="0" err="1"/>
+            <a:t>Using</a:t>
+          </a:r>
+          <a:r>
             <a:rPr lang="de-DE" sz="3500" kern="1200" noProof="0" dirty="0"/>
-            <a:t>Hybrid</a:t>
+            <a:t> </a:t>
           </a:r>
+          <a:r>
+            <a:rPr lang="de-DE" sz="3500" kern="1200" noProof="0" dirty="0" err="1"/>
+            <a:t>feedback</a:t>
+          </a:r>
+          <a:endParaRPr lang="de-DE" sz="3500" kern="1200" noProof="0" dirty="0"/>
         </a:p>
       </dsp:txBody>
       <dsp:txXfrm>
@@ -7236,6 +7261,92 @@
 </p:notes>
 </file>
 
+<file path=ppt/notesSlides/notesSlide10.xml><?xml version="1.0" encoding="utf-8"?>
+<p:notes xmlns:a="http://schemas.openxmlformats.org/drawingml/2006/main" xmlns:r="http://schemas.openxmlformats.org/officeDocument/2006/relationships" xmlns:p="http://schemas.openxmlformats.org/presentationml/2006/main">
+  <p:cSld>
+    <p:spTree>
+      <p:nvGrpSpPr>
+        <p:cNvPr id="1" name=""/>
+        <p:cNvGrpSpPr/>
+        <p:nvPr/>
+      </p:nvGrpSpPr>
+      <p:grpSpPr>
+        <a:xfrm>
+          <a:off x="0" y="0"/>
+          <a:ext cx="0" cy="0"/>
+          <a:chOff x="0" y="0"/>
+          <a:chExt cx="0" cy="0"/>
+        </a:xfrm>
+      </p:grpSpPr>
+      <p:sp>
+        <p:nvSpPr>
+          <p:cNvPr id="2" name="Folienbildplatzhalter 1"/>
+          <p:cNvSpPr>
+            <a:spLocks noGrp="1" noRot="1" noChangeAspect="1"/>
+          </p:cNvSpPr>
+          <p:nvPr>
+            <p:ph type="sldImg"/>
+          </p:nvPr>
+        </p:nvSpPr>
+        <p:spPr/>
+      </p:sp>
+      <p:sp>
+        <p:nvSpPr>
+          <p:cNvPr id="3" name="Notizenplatzhalter 2"/>
+          <p:cNvSpPr>
+            <a:spLocks noGrp="1"/>
+          </p:cNvSpPr>
+          <p:nvPr>
+            <p:ph type="body" idx="1"/>
+          </p:nvPr>
+        </p:nvSpPr>
+        <p:spPr/>
+        <p:txBody>
+          <a:bodyPr rtlCol="0"/>
+          <a:lstStyle/>
+          <a:p>
+            <a:pPr rtl="0"/>
+            <a:endParaRPr lang="de-DE"/>
+          </a:p>
+        </p:txBody>
+      </p:sp>
+      <p:sp>
+        <p:nvSpPr>
+          <p:cNvPr id="4" name="Foliennummernplatzhalter 3"/>
+          <p:cNvSpPr>
+            <a:spLocks noGrp="1"/>
+          </p:cNvSpPr>
+          <p:nvPr>
+            <p:ph type="sldNum" sz="quarter" idx="5"/>
+          </p:nvPr>
+        </p:nvSpPr>
+        <p:spPr/>
+        <p:txBody>
+          <a:bodyPr rtlCol="0"/>
+          <a:lstStyle/>
+          <a:p>
+            <a:pPr rtl="0"/>
+            <a:fld id="{C6B3AB32-59DF-41F1-9618-EDFBF5049629}" type="slidenum">
+              <a:rPr lang="de-DE" smtClean="0"/>
+              <a:t>10</a:t>
+            </a:fld>
+            <a:endParaRPr lang="de-DE"/>
+          </a:p>
+        </p:txBody>
+      </p:sp>
+    </p:spTree>
+    <p:extLst>
+      <p:ext uri="{BB962C8B-B14F-4D97-AF65-F5344CB8AC3E}">
+        <p14:creationId xmlns:p14="http://schemas.microsoft.com/office/powerpoint/2010/main" val="1046714131"/>
+      </p:ext>
+    </p:extLst>
+  </p:cSld>
+  <p:clrMapOvr>
+    <a:masterClrMapping/>
+  </p:clrMapOvr>
+</p:notes>
+</file>
+
 <file path=ppt/notesSlides/notesSlide2.xml><?xml version="1.0" encoding="utf-8"?>
 <p:notes xmlns:a="http://schemas.openxmlformats.org/drawingml/2006/main" xmlns:r="http://schemas.openxmlformats.org/officeDocument/2006/relationships" xmlns:p="http://schemas.openxmlformats.org/presentationml/2006/main">
   <p:cSld>
@@ -7363,9 +7474,10 @@
         </p:nvSpPr>
         <p:spPr/>
         <p:txBody>
-          <a:bodyPr/>
+          <a:bodyPr rtlCol="0"/>
           <a:lstStyle/>
           <a:p>
+            <a:pPr rtl="0"/>
             <a:endParaRPr lang="de-DE"/>
           </a:p>
         </p:txBody>
@@ -7382,7 +7494,7 @@
         </p:nvSpPr>
         <p:spPr/>
         <p:txBody>
-          <a:bodyPr/>
+          <a:bodyPr rtlCol="0"/>
           <a:lstStyle/>
           <a:p>
             <a:pPr rtl="0"/>
@@ -7397,7 +7509,7 @@
     </p:spTree>
     <p:extLst>
       <p:ext uri="{BB962C8B-B14F-4D97-AF65-F5344CB8AC3E}">
-        <p14:creationId xmlns:p14="http://schemas.microsoft.com/office/powerpoint/2010/main" val="3897545306"/>
+        <p14:creationId xmlns:p14="http://schemas.microsoft.com/office/powerpoint/2010/main" val="1310262950"/>
       </p:ext>
     </p:extLst>
   </p:cSld>
@@ -7483,7 +7595,7 @@
     </p:spTree>
     <p:extLst>
       <p:ext uri="{BB962C8B-B14F-4D97-AF65-F5344CB8AC3E}">
-        <p14:creationId xmlns:p14="http://schemas.microsoft.com/office/powerpoint/2010/main" val="3505115597"/>
+        <p14:creationId xmlns:p14="http://schemas.microsoft.com/office/powerpoint/2010/main" val="3608542942"/>
       </p:ext>
     </p:extLst>
   </p:cSld>
@@ -7569,7 +7681,351 @@
     </p:spTree>
     <p:extLst>
       <p:ext uri="{BB962C8B-B14F-4D97-AF65-F5344CB8AC3E}">
-        <p14:creationId xmlns:p14="http://schemas.microsoft.com/office/powerpoint/2010/main" val="1046714131"/>
+        <p14:creationId xmlns:p14="http://schemas.microsoft.com/office/powerpoint/2010/main" val="2232974663"/>
+      </p:ext>
+    </p:extLst>
+  </p:cSld>
+  <p:clrMapOvr>
+    <a:masterClrMapping/>
+  </p:clrMapOvr>
+</p:notes>
+</file>
+
+<file path=ppt/notesSlides/notesSlide6.xml><?xml version="1.0" encoding="utf-8"?>
+<p:notes xmlns:a="http://schemas.openxmlformats.org/drawingml/2006/main" xmlns:r="http://schemas.openxmlformats.org/officeDocument/2006/relationships" xmlns:p="http://schemas.openxmlformats.org/presentationml/2006/main">
+  <p:cSld>
+    <p:spTree>
+      <p:nvGrpSpPr>
+        <p:cNvPr id="1" name=""/>
+        <p:cNvGrpSpPr/>
+        <p:nvPr/>
+      </p:nvGrpSpPr>
+      <p:grpSpPr>
+        <a:xfrm>
+          <a:off x="0" y="0"/>
+          <a:ext cx="0" cy="0"/>
+          <a:chOff x="0" y="0"/>
+          <a:chExt cx="0" cy="0"/>
+        </a:xfrm>
+      </p:grpSpPr>
+      <p:sp>
+        <p:nvSpPr>
+          <p:cNvPr id="2" name="Folienbildplatzhalter 1"/>
+          <p:cNvSpPr>
+            <a:spLocks noGrp="1" noRot="1" noChangeAspect="1"/>
+          </p:cNvSpPr>
+          <p:nvPr>
+            <p:ph type="sldImg"/>
+          </p:nvPr>
+        </p:nvSpPr>
+        <p:spPr/>
+      </p:sp>
+      <p:sp>
+        <p:nvSpPr>
+          <p:cNvPr id="3" name="Notizenplatzhalter 2"/>
+          <p:cNvSpPr>
+            <a:spLocks noGrp="1"/>
+          </p:cNvSpPr>
+          <p:nvPr>
+            <p:ph type="body" idx="1"/>
+          </p:nvPr>
+        </p:nvSpPr>
+        <p:spPr/>
+        <p:txBody>
+          <a:bodyPr rtlCol="0"/>
+          <a:lstStyle/>
+          <a:p>
+            <a:pPr rtl="0"/>
+            <a:endParaRPr lang="de-DE"/>
+          </a:p>
+        </p:txBody>
+      </p:sp>
+      <p:sp>
+        <p:nvSpPr>
+          <p:cNvPr id="4" name="Foliennummernplatzhalter 3"/>
+          <p:cNvSpPr>
+            <a:spLocks noGrp="1"/>
+          </p:cNvSpPr>
+          <p:nvPr>
+            <p:ph type="sldNum" sz="quarter" idx="5"/>
+          </p:nvPr>
+        </p:nvSpPr>
+        <p:spPr/>
+        <p:txBody>
+          <a:bodyPr rtlCol="0"/>
+          <a:lstStyle/>
+          <a:p>
+            <a:pPr rtl="0"/>
+            <a:fld id="{C6B3AB32-59DF-41F1-9618-EDFBF5049629}" type="slidenum">
+              <a:rPr lang="de-DE" smtClean="0"/>
+              <a:t>6</a:t>
+            </a:fld>
+            <a:endParaRPr lang="de-DE"/>
+          </a:p>
+        </p:txBody>
+      </p:sp>
+    </p:spTree>
+    <p:extLst>
+      <p:ext uri="{BB962C8B-B14F-4D97-AF65-F5344CB8AC3E}">
+        <p14:creationId xmlns:p14="http://schemas.microsoft.com/office/powerpoint/2010/main" val="3926184397"/>
+      </p:ext>
+    </p:extLst>
+  </p:cSld>
+  <p:clrMapOvr>
+    <a:masterClrMapping/>
+  </p:clrMapOvr>
+</p:notes>
+</file>
+
+<file path=ppt/notesSlides/notesSlide7.xml><?xml version="1.0" encoding="utf-8"?>
+<p:notes xmlns:a="http://schemas.openxmlformats.org/drawingml/2006/main" xmlns:r="http://schemas.openxmlformats.org/officeDocument/2006/relationships" xmlns:p="http://schemas.openxmlformats.org/presentationml/2006/main">
+  <p:cSld>
+    <p:spTree>
+      <p:nvGrpSpPr>
+        <p:cNvPr id="1" name=""/>
+        <p:cNvGrpSpPr/>
+        <p:nvPr/>
+      </p:nvGrpSpPr>
+      <p:grpSpPr>
+        <a:xfrm>
+          <a:off x="0" y="0"/>
+          <a:ext cx="0" cy="0"/>
+          <a:chOff x="0" y="0"/>
+          <a:chExt cx="0" cy="0"/>
+        </a:xfrm>
+      </p:grpSpPr>
+      <p:sp>
+        <p:nvSpPr>
+          <p:cNvPr id="2" name="Folienbildplatzhalter 1"/>
+          <p:cNvSpPr>
+            <a:spLocks noGrp="1" noRot="1" noChangeAspect="1"/>
+          </p:cNvSpPr>
+          <p:nvPr>
+            <p:ph type="sldImg"/>
+          </p:nvPr>
+        </p:nvSpPr>
+        <p:spPr/>
+      </p:sp>
+      <p:sp>
+        <p:nvSpPr>
+          <p:cNvPr id="3" name="Notizenplatzhalter 2"/>
+          <p:cNvSpPr>
+            <a:spLocks noGrp="1"/>
+          </p:cNvSpPr>
+          <p:nvPr>
+            <p:ph type="body" idx="1"/>
+          </p:nvPr>
+        </p:nvSpPr>
+        <p:spPr/>
+        <p:txBody>
+          <a:bodyPr rtlCol="0"/>
+          <a:lstStyle/>
+          <a:p>
+            <a:pPr rtl="0"/>
+            <a:endParaRPr lang="de-DE"/>
+          </a:p>
+        </p:txBody>
+      </p:sp>
+      <p:sp>
+        <p:nvSpPr>
+          <p:cNvPr id="4" name="Foliennummernplatzhalter 3"/>
+          <p:cNvSpPr>
+            <a:spLocks noGrp="1"/>
+          </p:cNvSpPr>
+          <p:nvPr>
+            <p:ph type="sldNum" sz="quarter" idx="5"/>
+          </p:nvPr>
+        </p:nvSpPr>
+        <p:spPr/>
+        <p:txBody>
+          <a:bodyPr rtlCol="0"/>
+          <a:lstStyle/>
+          <a:p>
+            <a:pPr rtl="0"/>
+            <a:fld id="{C6B3AB32-59DF-41F1-9618-EDFBF5049629}" type="slidenum">
+              <a:rPr lang="de-DE" smtClean="0"/>
+              <a:t>7</a:t>
+            </a:fld>
+            <a:endParaRPr lang="de-DE"/>
+          </a:p>
+        </p:txBody>
+      </p:sp>
+    </p:spTree>
+    <p:extLst>
+      <p:ext uri="{BB962C8B-B14F-4D97-AF65-F5344CB8AC3E}">
+        <p14:creationId xmlns:p14="http://schemas.microsoft.com/office/powerpoint/2010/main" val="1418269902"/>
+      </p:ext>
+    </p:extLst>
+  </p:cSld>
+  <p:clrMapOvr>
+    <a:masterClrMapping/>
+  </p:clrMapOvr>
+</p:notes>
+</file>
+
+<file path=ppt/notesSlides/notesSlide8.xml><?xml version="1.0" encoding="utf-8"?>
+<p:notes xmlns:a="http://schemas.openxmlformats.org/drawingml/2006/main" xmlns:r="http://schemas.openxmlformats.org/officeDocument/2006/relationships" xmlns:p="http://schemas.openxmlformats.org/presentationml/2006/main">
+  <p:cSld>
+    <p:spTree>
+      <p:nvGrpSpPr>
+        <p:cNvPr id="1" name=""/>
+        <p:cNvGrpSpPr/>
+        <p:nvPr/>
+      </p:nvGrpSpPr>
+      <p:grpSpPr>
+        <a:xfrm>
+          <a:off x="0" y="0"/>
+          <a:ext cx="0" cy="0"/>
+          <a:chOff x="0" y="0"/>
+          <a:chExt cx="0" cy="0"/>
+        </a:xfrm>
+      </p:grpSpPr>
+      <p:sp>
+        <p:nvSpPr>
+          <p:cNvPr id="2" name="Folienbildplatzhalter 1"/>
+          <p:cNvSpPr>
+            <a:spLocks noGrp="1" noRot="1" noChangeAspect="1"/>
+          </p:cNvSpPr>
+          <p:nvPr>
+            <p:ph type="sldImg"/>
+          </p:nvPr>
+        </p:nvSpPr>
+        <p:spPr/>
+      </p:sp>
+      <p:sp>
+        <p:nvSpPr>
+          <p:cNvPr id="3" name="Notizenplatzhalter 2"/>
+          <p:cNvSpPr>
+            <a:spLocks noGrp="1"/>
+          </p:cNvSpPr>
+          <p:nvPr>
+            <p:ph type="body" idx="1"/>
+          </p:nvPr>
+        </p:nvSpPr>
+        <p:spPr/>
+        <p:txBody>
+          <a:bodyPr rtlCol="0"/>
+          <a:lstStyle/>
+          <a:p>
+            <a:pPr rtl="0"/>
+            <a:endParaRPr lang="de-DE"/>
+          </a:p>
+        </p:txBody>
+      </p:sp>
+      <p:sp>
+        <p:nvSpPr>
+          <p:cNvPr id="4" name="Foliennummernplatzhalter 3"/>
+          <p:cNvSpPr>
+            <a:spLocks noGrp="1"/>
+          </p:cNvSpPr>
+          <p:nvPr>
+            <p:ph type="sldNum" sz="quarter" idx="5"/>
+          </p:nvPr>
+        </p:nvSpPr>
+        <p:spPr/>
+        <p:txBody>
+          <a:bodyPr rtlCol="0"/>
+          <a:lstStyle/>
+          <a:p>
+            <a:pPr rtl="0"/>
+            <a:fld id="{C6B3AB32-59DF-41F1-9618-EDFBF5049629}" type="slidenum">
+              <a:rPr lang="de-DE" smtClean="0"/>
+              <a:t>8</a:t>
+            </a:fld>
+            <a:endParaRPr lang="de-DE"/>
+          </a:p>
+        </p:txBody>
+      </p:sp>
+    </p:spTree>
+    <p:extLst>
+      <p:ext uri="{BB962C8B-B14F-4D97-AF65-F5344CB8AC3E}">
+        <p14:creationId xmlns:p14="http://schemas.microsoft.com/office/powerpoint/2010/main" val="3505115597"/>
+      </p:ext>
+    </p:extLst>
+  </p:cSld>
+  <p:clrMapOvr>
+    <a:masterClrMapping/>
+  </p:clrMapOvr>
+</p:notes>
+</file>
+
+<file path=ppt/notesSlides/notesSlide9.xml><?xml version="1.0" encoding="utf-8"?>
+<p:notes xmlns:a="http://schemas.openxmlformats.org/drawingml/2006/main" xmlns:r="http://schemas.openxmlformats.org/officeDocument/2006/relationships" xmlns:p="http://schemas.openxmlformats.org/presentationml/2006/main">
+  <p:cSld>
+    <p:spTree>
+      <p:nvGrpSpPr>
+        <p:cNvPr id="1" name=""/>
+        <p:cNvGrpSpPr/>
+        <p:nvPr/>
+      </p:nvGrpSpPr>
+      <p:grpSpPr>
+        <a:xfrm>
+          <a:off x="0" y="0"/>
+          <a:ext cx="0" cy="0"/>
+          <a:chOff x="0" y="0"/>
+          <a:chExt cx="0" cy="0"/>
+        </a:xfrm>
+      </p:grpSpPr>
+      <p:sp>
+        <p:nvSpPr>
+          <p:cNvPr id="2" name="Folienbildplatzhalter 1"/>
+          <p:cNvSpPr>
+            <a:spLocks noGrp="1" noRot="1" noChangeAspect="1"/>
+          </p:cNvSpPr>
+          <p:nvPr>
+            <p:ph type="sldImg"/>
+          </p:nvPr>
+        </p:nvSpPr>
+        <p:spPr/>
+      </p:sp>
+      <p:sp>
+        <p:nvSpPr>
+          <p:cNvPr id="3" name="Notizenplatzhalter 2"/>
+          <p:cNvSpPr>
+            <a:spLocks noGrp="1"/>
+          </p:cNvSpPr>
+          <p:nvPr>
+            <p:ph type="body" idx="1"/>
+          </p:nvPr>
+        </p:nvSpPr>
+        <p:spPr/>
+        <p:txBody>
+          <a:bodyPr rtlCol="0"/>
+          <a:lstStyle/>
+          <a:p>
+            <a:pPr rtl="0"/>
+            <a:endParaRPr lang="de-DE"/>
+          </a:p>
+        </p:txBody>
+      </p:sp>
+      <p:sp>
+        <p:nvSpPr>
+          <p:cNvPr id="4" name="Foliennummernplatzhalter 3"/>
+          <p:cNvSpPr>
+            <a:spLocks noGrp="1"/>
+          </p:cNvSpPr>
+          <p:nvPr>
+            <p:ph type="sldNum" sz="quarter" idx="5"/>
+          </p:nvPr>
+        </p:nvSpPr>
+        <p:spPr/>
+        <p:txBody>
+          <a:bodyPr rtlCol="0"/>
+          <a:lstStyle/>
+          <a:p>
+            <a:pPr rtl="0"/>
+            <a:fld id="{C6B3AB32-59DF-41F1-9618-EDFBF5049629}" type="slidenum">
+              <a:rPr lang="de-DE" smtClean="0"/>
+              <a:t>9</a:t>
+            </a:fld>
+            <a:endParaRPr lang="de-DE"/>
+          </a:p>
+        </p:txBody>
+      </p:sp>
+    </p:spTree>
+    <p:extLst>
+      <p:ext uri="{BB962C8B-B14F-4D97-AF65-F5344CB8AC3E}">
+        <p14:creationId xmlns:p14="http://schemas.microsoft.com/office/powerpoint/2010/main" val="3662064312"/>
       </p:ext>
     </p:extLst>
   </p:cSld>
@@ -11927,743 +12383,7 @@
 </p:sld>
 </file>
 
-<file path=ppt/slides/slide2.xml><?xml version="1.0" encoding="utf-8"?>
-<p:sld xmlns:a="http://schemas.openxmlformats.org/drawingml/2006/main" xmlns:r="http://schemas.openxmlformats.org/officeDocument/2006/relationships" xmlns:p="http://schemas.openxmlformats.org/presentationml/2006/main">
-  <p:cSld>
-    <p:bg>
-      <p:bgPr>
-        <a:solidFill>
-          <a:schemeClr val="bg1"/>
-        </a:solidFill>
-        <a:effectLst/>
-      </p:bgPr>
-    </p:bg>
-    <p:spTree>
-      <p:nvGrpSpPr>
-        <p:cNvPr id="1" name=""/>
-        <p:cNvGrpSpPr/>
-        <p:nvPr/>
-      </p:nvGrpSpPr>
-      <p:grpSpPr>
-        <a:xfrm>
-          <a:off x="0" y="0"/>
-          <a:ext cx="0" cy="0"/>
-          <a:chOff x="0" y="0"/>
-          <a:chExt cx="0" cy="0"/>
-        </a:xfrm>
-      </p:grpSpPr>
-      <p:sp useBgFill="1">
-        <p:nvSpPr>
-          <p:cNvPr id="29" name="Rechteck 28">
-            <a:extLst>
-              <a:ext uri="{FF2B5EF4-FFF2-40B4-BE49-F238E27FC236}">
-                <a16:creationId xmlns:a16="http://schemas.microsoft.com/office/drawing/2014/main" id="{BFDA9692-ECDC-4B59-86B2-8C90FDE1A055}"/>
-              </a:ext>
-              <a:ext uri="{C183D7F6-B498-43B3-948B-1728B52AA6E4}">
-                <adec:decorative xmlns:adec="http://schemas.microsoft.com/office/drawing/2017/decorative" val="1"/>
-              </a:ext>
-            </a:extLst>
-          </p:cNvPr>
-          <p:cNvSpPr>
-            <a:spLocks noChangeAspect="1"/>
-          </p:cNvSpPr>
-          <p:nvPr>
-            <p:extLst>
-              <p:ext uri="{386F3935-93C4-4BCD-93E2-E3B085C9AB24}">
-                <p16:designElem xmlns:p16="http://schemas.microsoft.com/office/powerpoint/2015/main" val="1"/>
-              </p:ext>
-            </p:extLst>
-          </p:nvPr>
-        </p:nvSpPr>
-        <p:spPr>
-          <a:xfrm>
-            <a:off x="0" y="536712"/>
-            <a:ext cx="12192000" cy="6321287"/>
-          </a:xfrm>
-          <a:prstGeom prst="rect">
-            <a:avLst/>
-          </a:prstGeom>
-          <a:ln>
-            <a:noFill/>
-          </a:ln>
-        </p:spPr>
-        <p:style>
-          <a:lnRef idx="2">
-            <a:schemeClr val="accent1">
-              <a:shade val="50000"/>
-            </a:schemeClr>
-          </a:lnRef>
-          <a:fillRef idx="1">
-            <a:schemeClr val="accent1"/>
-          </a:fillRef>
-          <a:effectRef idx="0">
-            <a:schemeClr val="accent1"/>
-          </a:effectRef>
-          <a:fontRef idx="minor">
-            <a:schemeClr val="lt1"/>
-          </a:fontRef>
-        </p:style>
-        <p:txBody>
-          <a:bodyPr rtlCol="0" anchor="ctr"/>
-          <a:lstStyle/>
-          <a:p>
-            <a:pPr algn="ctr" rtl="0"/>
-            <a:endParaRPr lang="de-DE" dirty="0"/>
-          </a:p>
-        </p:txBody>
-      </p:sp>
-      <p:sp>
-        <p:nvSpPr>
-          <p:cNvPr id="31" name="Rechteck 30">
-            <a:extLst>
-              <a:ext uri="{FF2B5EF4-FFF2-40B4-BE49-F238E27FC236}">
-                <a16:creationId xmlns:a16="http://schemas.microsoft.com/office/drawing/2014/main" id="{12C05506-42A1-49C0-9D87-081CCD9023D6}"/>
-              </a:ext>
-              <a:ext uri="{C183D7F6-B498-43B3-948B-1728B52AA6E4}">
-                <adec:decorative xmlns:adec="http://schemas.microsoft.com/office/drawing/2017/decorative" val="1"/>
-              </a:ext>
-            </a:extLst>
-          </p:cNvPr>
-          <p:cNvSpPr>
-            <a:spLocks noChangeAspect="1"/>
-          </p:cNvSpPr>
-          <p:nvPr>
-            <p:extLst>
-              <p:ext uri="{386F3935-93C4-4BCD-93E2-E3B085C9AB24}">
-                <p16:designElem xmlns:p16="http://schemas.microsoft.com/office/powerpoint/2015/main" val="1"/>
-              </p:ext>
-            </p:extLst>
-          </p:nvPr>
-        </p:nvSpPr>
-        <p:spPr>
-          <a:xfrm>
-            <a:off x="447817" y="5141974"/>
-            <a:ext cx="11290860" cy="1258827"/>
-          </a:xfrm>
-          <a:prstGeom prst="rect">
-            <a:avLst/>
-          </a:prstGeom>
-          <a:solidFill>
-            <a:schemeClr val="accent1"/>
-          </a:solidFill>
-          <a:ln>
-            <a:noFill/>
-          </a:ln>
-          <a:effectLst/>
-        </p:spPr>
-        <p:style>
-          <a:lnRef idx="1">
-            <a:schemeClr val="accent1"/>
-          </a:lnRef>
-          <a:fillRef idx="3">
-            <a:schemeClr val="accent1"/>
-          </a:fillRef>
-          <a:effectRef idx="2">
-            <a:schemeClr val="accent1"/>
-          </a:effectRef>
-          <a:fontRef idx="minor">
-            <a:schemeClr val="lt1"/>
-          </a:fontRef>
-        </p:style>
-      </p:sp>
-      <p:sp>
-        <p:nvSpPr>
-          <p:cNvPr id="2" name="Titel 1">
-            <a:extLst>
-              <a:ext uri="{FF2B5EF4-FFF2-40B4-BE49-F238E27FC236}">
-                <a16:creationId xmlns:a16="http://schemas.microsoft.com/office/drawing/2014/main" id="{5B040558-A365-4CCE-92FA-5A48CD98F9C9}"/>
-              </a:ext>
-            </a:extLst>
-          </p:cNvPr>
-          <p:cNvSpPr>
-            <a:spLocks noGrp="1"/>
-          </p:cNvSpPr>
-          <p:nvPr>
-            <p:ph type="title"/>
-          </p:nvPr>
-        </p:nvSpPr>
-        <p:spPr>
-          <a:xfrm>
-            <a:off x="581192" y="5264487"/>
-            <a:ext cx="11029616" cy="718870"/>
-          </a:xfrm>
-        </p:spPr>
-        <p:txBody>
-          <a:bodyPr rtlCol="0">
-            <a:normAutofit/>
-          </a:bodyPr>
-          <a:lstStyle/>
-          <a:p>
-            <a:pPr rtl="0"/>
-            <a:r>
-              <a:rPr lang="de-DE" dirty="0">
-                <a:solidFill>
-                  <a:srgbClr val="FFFEFF"/>
-                </a:solidFill>
-              </a:rPr>
-              <a:t>Key Features </a:t>
-            </a:r>
-          </a:p>
-        </p:txBody>
-      </p:sp>
-      <p:graphicFrame>
-        <p:nvGraphicFramePr>
-          <p:cNvPr id="4" name="Inhaltsplatzhalter 3" descr="Symbol für SmartArt-Grafik">
-            <a:extLst>
-              <a:ext uri="{FF2B5EF4-FFF2-40B4-BE49-F238E27FC236}">
-                <a16:creationId xmlns:a16="http://schemas.microsoft.com/office/drawing/2014/main" id="{81E592E1-99DF-4294-A2E9-EF46299BD3F4}"/>
-              </a:ext>
-            </a:extLst>
-          </p:cNvPr>
-          <p:cNvGraphicFramePr>
-            <a:graphicFrameLocks noGrp="1"/>
-          </p:cNvGraphicFramePr>
-          <p:nvPr>
-            <p:ph idx="1"/>
-            <p:extLst>
-              <p:ext uri="{D42A27DB-BD31-4B8C-83A1-F6EECF244321}">
-                <p14:modId xmlns:p14="http://schemas.microsoft.com/office/powerpoint/2010/main" val="2084606163"/>
-              </p:ext>
-            </p:extLst>
-          </p:nvPr>
-        </p:nvGraphicFramePr>
-        <p:xfrm>
-          <a:off x="642938" y="858445"/>
-          <a:ext cx="10906125" cy="3961205"/>
-        </p:xfrm>
-        <a:graphic>
-          <a:graphicData uri="http://schemas.openxmlformats.org/drawingml/2006/diagram">
-            <dgm:relIds xmlns:dgm="http://schemas.openxmlformats.org/drawingml/2006/diagram" xmlns:r="http://schemas.openxmlformats.org/officeDocument/2006/relationships" r:dm="rId3" r:lo="rId4" r:qs="rId5" r:cs="rId6"/>
-          </a:graphicData>
-        </a:graphic>
-      </p:graphicFrame>
-    </p:spTree>
-    <p:extLst>
-      <p:ext uri="{BB962C8B-B14F-4D97-AF65-F5344CB8AC3E}">
-        <p14:creationId xmlns:p14="http://schemas.microsoft.com/office/powerpoint/2010/main" val="1703342593"/>
-      </p:ext>
-    </p:extLst>
-  </p:cSld>
-  <p:clrMapOvr>
-    <a:masterClrMapping/>
-  </p:clrMapOvr>
-</p:sld>
-</file>
-
-<file path=ppt/slides/slide3.xml><?xml version="1.0" encoding="utf-8"?>
-<p:sld xmlns:a="http://schemas.openxmlformats.org/drawingml/2006/main" xmlns:r="http://schemas.openxmlformats.org/officeDocument/2006/relationships" xmlns:p="http://schemas.openxmlformats.org/presentationml/2006/main">
-  <p:cSld>
-    <p:spTree>
-      <p:nvGrpSpPr>
-        <p:cNvPr id="1" name=""/>
-        <p:cNvGrpSpPr/>
-        <p:nvPr/>
-      </p:nvGrpSpPr>
-      <p:grpSpPr>
-        <a:xfrm>
-          <a:off x="0" y="0"/>
-          <a:ext cx="0" cy="0"/>
-          <a:chOff x="0" y="0"/>
-          <a:chExt cx="0" cy="0"/>
-        </a:xfrm>
-      </p:grpSpPr>
-      <p:sp>
-        <p:nvSpPr>
-          <p:cNvPr id="2" name="Titel 1">
-            <a:extLst>
-              <a:ext uri="{FF2B5EF4-FFF2-40B4-BE49-F238E27FC236}">
-                <a16:creationId xmlns:a16="http://schemas.microsoft.com/office/drawing/2014/main" id="{921633EB-7DCB-4DDC-80AF-C885A3EE1245}"/>
-              </a:ext>
-            </a:extLst>
-          </p:cNvPr>
-          <p:cNvSpPr>
-            <a:spLocks noGrp="1"/>
-          </p:cNvSpPr>
-          <p:nvPr>
-            <p:ph type="title"/>
-          </p:nvPr>
-        </p:nvSpPr>
-        <p:spPr/>
-        <p:txBody>
-          <a:bodyPr rtlCol="0"/>
-          <a:lstStyle/>
-          <a:p>
-            <a:pPr rtl="0"/>
-            <a:r>
-              <a:rPr lang="de-DE" dirty="0"/>
-              <a:t>Wettbewerbsumfeld</a:t>
-            </a:r>
-          </a:p>
-        </p:txBody>
-      </p:sp>
-      <p:pic>
-        <p:nvPicPr>
-          <p:cNvPr id="11" name="Inhaltsplatzhalter 4" descr="Diagramme">
-            <a:extLst>
-              <a:ext uri="{FF2B5EF4-FFF2-40B4-BE49-F238E27FC236}">
-                <a16:creationId xmlns:a16="http://schemas.microsoft.com/office/drawing/2014/main" id="{47D9BE16-119C-43B2-9AE6-18C4A150C0EF}"/>
-              </a:ext>
-            </a:extLst>
-          </p:cNvPr>
-          <p:cNvPicPr>
-            <a:picLocks noGrp="1" noChangeAspect="1"/>
-          </p:cNvPicPr>
-          <p:nvPr>
-            <p:ph sz="half" idx="1"/>
-          </p:nvPr>
-        </p:nvPicPr>
-        <p:blipFill rotWithShape="1">
-          <a:blip r:embed="rId3" cstate="screen">
-            <a:extLst>
-              <a:ext uri="{28A0092B-C50C-407E-A947-70E740481C1C}">
-                <a14:useLocalDpi xmlns:a14="http://schemas.microsoft.com/office/drawing/2010/main"/>
-              </a:ext>
-            </a:extLst>
-          </a:blip>
-          <a:stretch/>
-        </p:blipFill>
-        <p:spPr>
-          <a:xfrm>
-            <a:off x="581025" y="2231480"/>
-            <a:ext cx="5422900" cy="3625353"/>
-          </a:xfrm>
-        </p:spPr>
-      </p:pic>
-      <p:sp>
-        <p:nvSpPr>
-          <p:cNvPr id="4" name="Inhaltsplatzhalter 3">
-            <a:extLst>
-              <a:ext uri="{FF2B5EF4-FFF2-40B4-BE49-F238E27FC236}">
-                <a16:creationId xmlns:a16="http://schemas.microsoft.com/office/drawing/2014/main" id="{4A66C0E4-0DC5-4EEF-813A-BCF829AA923D}"/>
-              </a:ext>
-            </a:extLst>
-          </p:cNvPr>
-          <p:cNvSpPr>
-            <a:spLocks noGrp="1"/>
-          </p:cNvSpPr>
-          <p:nvPr>
-            <p:ph sz="half" idx="2"/>
-          </p:nvPr>
-        </p:nvSpPr>
-        <p:spPr/>
-        <p:txBody>
-          <a:bodyPr/>
-          <a:lstStyle/>
-          <a:p>
-            <a:endParaRPr lang="de-DE"/>
-          </a:p>
-        </p:txBody>
-      </p:sp>
-    </p:spTree>
-    <p:extLst>
-      <p:ext uri="{BB962C8B-B14F-4D97-AF65-F5344CB8AC3E}">
-        <p14:creationId xmlns:p14="http://schemas.microsoft.com/office/powerpoint/2010/main" val="497607547"/>
-      </p:ext>
-    </p:extLst>
-  </p:cSld>
-  <p:clrMapOvr>
-    <a:masterClrMapping/>
-  </p:clrMapOvr>
-</p:sld>
-</file>
-
-<file path=ppt/slides/slide4.xml><?xml version="1.0" encoding="utf-8"?>
-<p:sld xmlns:a="http://schemas.openxmlformats.org/drawingml/2006/main" xmlns:r="http://schemas.openxmlformats.org/officeDocument/2006/relationships" xmlns:p="http://schemas.openxmlformats.org/presentationml/2006/main">
-  <p:cSld>
-    <p:bg>
-      <p:bgPr>
-        <a:solidFill>
-          <a:schemeClr val="bg1"/>
-        </a:solidFill>
-        <a:effectLst/>
-      </p:bgPr>
-    </p:bg>
-    <p:spTree>
-      <p:nvGrpSpPr>
-        <p:cNvPr id="1" name=""/>
-        <p:cNvGrpSpPr/>
-        <p:nvPr/>
-      </p:nvGrpSpPr>
-      <p:grpSpPr>
-        <a:xfrm>
-          <a:off x="0" y="0"/>
-          <a:ext cx="0" cy="0"/>
-          <a:chOff x="0" y="0"/>
-          <a:chExt cx="0" cy="0"/>
-        </a:xfrm>
-      </p:grpSpPr>
-      <p:sp useBgFill="1">
-        <p:nvSpPr>
-          <p:cNvPr id="13" name="Rechteck 12">
-            <a:extLst>
-              <a:ext uri="{FF2B5EF4-FFF2-40B4-BE49-F238E27FC236}">
-                <a16:creationId xmlns:a16="http://schemas.microsoft.com/office/drawing/2014/main" id="{4AE9D071-98CF-435C-BD2B-976514544DC5}"/>
-              </a:ext>
-              <a:ext uri="{C183D7F6-B498-43B3-948B-1728B52AA6E4}">
-                <adec:decorative xmlns:adec="http://schemas.microsoft.com/office/drawing/2017/decorative" val="1"/>
-              </a:ext>
-            </a:extLst>
-          </p:cNvPr>
-          <p:cNvSpPr>
-            <a:spLocks noChangeAspect="1"/>
-          </p:cNvSpPr>
-          <p:nvPr>
-            <p:extLst>
-              <p:ext uri="{386F3935-93C4-4BCD-93E2-E3B085C9AB24}">
-                <p16:designElem xmlns:p16="http://schemas.microsoft.com/office/powerpoint/2015/main" val="1"/>
-              </p:ext>
-            </p:extLst>
-          </p:nvPr>
-        </p:nvSpPr>
-        <p:spPr>
-          <a:xfrm>
-            <a:off x="0" y="0"/>
-            <a:ext cx="12192000" cy="6858000"/>
-          </a:xfrm>
-          <a:prstGeom prst="rect">
-            <a:avLst/>
-          </a:prstGeom>
-          <a:ln>
-            <a:noFill/>
-          </a:ln>
-        </p:spPr>
-        <p:style>
-          <a:lnRef idx="2">
-            <a:schemeClr val="accent1">
-              <a:shade val="50000"/>
-            </a:schemeClr>
-          </a:lnRef>
-          <a:fillRef idx="1">
-            <a:schemeClr val="accent1"/>
-          </a:fillRef>
-          <a:effectRef idx="0">
-            <a:schemeClr val="accent1"/>
-          </a:effectRef>
-          <a:fontRef idx="minor">
-            <a:schemeClr val="lt1"/>
-          </a:fontRef>
-        </p:style>
-        <p:txBody>
-          <a:bodyPr rtlCol="0" anchor="ctr"/>
-          <a:lstStyle/>
-          <a:p>
-            <a:pPr algn="ctr" rtl="0"/>
-            <a:endParaRPr lang="de-DE" dirty="0"/>
-          </a:p>
-        </p:txBody>
-      </p:sp>
-      <p:pic>
-        <p:nvPicPr>
-          <p:cNvPr id="8" name="Inhaltsplatzhalter 4" descr="Digitale Zahlen">
-            <a:extLst>
-              <a:ext uri="{FF2B5EF4-FFF2-40B4-BE49-F238E27FC236}">
-                <a16:creationId xmlns:a16="http://schemas.microsoft.com/office/drawing/2014/main" id="{EA70616B-E344-4856-8DF9-707C26236613}"/>
-              </a:ext>
-            </a:extLst>
-          </p:cNvPr>
-          <p:cNvPicPr>
-            <a:picLocks noChangeAspect="1"/>
-          </p:cNvPicPr>
-          <p:nvPr/>
-        </p:nvPicPr>
-        <p:blipFill rotWithShape="1">
-          <a:blip r:embed="rId3" cstate="screen">
-            <a:extLst>
-              <a:ext uri="{28A0092B-C50C-407E-A947-70E740481C1C}">
-                <a14:useLocalDpi xmlns:a14="http://schemas.microsoft.com/office/drawing/2010/main"/>
-              </a:ext>
-            </a:extLst>
-          </a:blip>
-          <a:srcRect t="10681" r="9091" b="12711"/>
-          <a:stretch/>
-        </p:blipFill>
-        <p:spPr>
-          <a:xfrm>
-            <a:off x="20" y="10"/>
-            <a:ext cx="12191980" cy="6857990"/>
-          </a:xfrm>
-          <a:prstGeom prst="rect">
-            <a:avLst/>
-          </a:prstGeom>
-        </p:spPr>
-      </p:pic>
-      <p:grpSp>
-        <p:nvGrpSpPr>
-          <p:cNvPr id="15" name="Gruppieren 14">
-            <a:extLst>
-              <a:ext uri="{FF2B5EF4-FFF2-40B4-BE49-F238E27FC236}">
-                <a16:creationId xmlns:a16="http://schemas.microsoft.com/office/drawing/2014/main" id="{D619FC33-16ED-4246-9596-BEFEB55E4CF6}"/>
-              </a:ext>
-              <a:ext uri="{C183D7F6-B498-43B3-948B-1728B52AA6E4}">
-                <adec:decorative xmlns:adec="http://schemas.microsoft.com/office/drawing/2017/decorative" val="1"/>
-              </a:ext>
-            </a:extLst>
-          </p:cNvPr>
-          <p:cNvGrpSpPr>
-            <a:grpSpLocks noChangeAspect="1"/>
-          </p:cNvGrpSpPr>
-          <p:nvPr>
-            <p:extLst>
-              <p:ext uri="{386F3935-93C4-4BCD-93E2-E3B085C9AB24}">
-                <p16:designElem xmlns:p16="http://schemas.microsoft.com/office/powerpoint/2015/main" val="1"/>
-              </p:ext>
-            </p:extLst>
-          </p:nvPr>
-        </p:nvGrpSpPr>
-        <p:grpSpPr>
-          <a:xfrm>
-            <a:off x="438067" y="457200"/>
-            <a:ext cx="7507083" cy="5935132"/>
-            <a:chOff x="438067" y="457200"/>
-            <a:chExt cx="7507083" cy="5935132"/>
-          </a:xfrm>
-        </p:grpSpPr>
-        <p:sp>
-          <p:nvSpPr>
-            <p:cNvPr id="16" name="Rechteck 15">
-              <a:extLst>
-                <a:ext uri="{FF2B5EF4-FFF2-40B4-BE49-F238E27FC236}">
-                  <a16:creationId xmlns:a16="http://schemas.microsoft.com/office/drawing/2014/main" id="{2EEA80E1-F99F-4009-837F-2F72F8A5D580}"/>
-                </a:ext>
-                <a:ext uri="{C183D7F6-B498-43B3-948B-1728B52AA6E4}">
-                  <adec:decorative xmlns:adec="http://schemas.microsoft.com/office/drawing/2017/decorative" val="1"/>
-                </a:ext>
-              </a:extLst>
-            </p:cNvPr>
-            <p:cNvSpPr>
-              <a:spLocks/>
-            </p:cNvSpPr>
-            <p:nvPr>
-              <p:extLst>
-                <p:ext uri="{386F3935-93C4-4BCD-93E2-E3B085C9AB24}">
-                  <p16:designElem xmlns:p16="http://schemas.microsoft.com/office/powerpoint/2015/main" val="1"/>
-                </p:ext>
-              </p:extLst>
-            </p:nvPr>
-          </p:nvSpPr>
-          <p:spPr>
-            <a:xfrm>
-              <a:off x="438067" y="618067"/>
-              <a:ext cx="7503665" cy="5774265"/>
-            </a:xfrm>
-            <a:prstGeom prst="rect">
-              <a:avLst/>
-            </a:prstGeom>
-            <a:solidFill>
-              <a:schemeClr val="accent1">
-                <a:alpha val="97000"/>
-              </a:schemeClr>
-            </a:solidFill>
-            <a:ln w="6350" cmpd="sng">
-              <a:noFill/>
-            </a:ln>
-            <a:effectLst/>
-          </p:spPr>
-          <p:style>
-            <a:lnRef idx="1">
-              <a:schemeClr val="accent1"/>
-            </a:lnRef>
-            <a:fillRef idx="3">
-              <a:schemeClr val="accent1"/>
-            </a:fillRef>
-            <a:effectRef idx="2">
-              <a:schemeClr val="accent1"/>
-            </a:effectRef>
-            <a:fontRef idx="minor">
-              <a:schemeClr val="lt1"/>
-            </a:fontRef>
-          </p:style>
-        </p:sp>
-        <p:sp>
-          <p:nvSpPr>
-            <p:cNvPr id="17" name="Rechteck 16">
-              <a:extLst>
-                <a:ext uri="{FF2B5EF4-FFF2-40B4-BE49-F238E27FC236}">
-                  <a16:creationId xmlns:a16="http://schemas.microsoft.com/office/drawing/2014/main" id="{0230AF9A-4641-4BD8-9F95-9607CD304039}"/>
-                </a:ext>
-                <a:ext uri="{C183D7F6-B498-43B3-948B-1728B52AA6E4}">
-                  <adec:decorative xmlns:adec="http://schemas.microsoft.com/office/drawing/2017/decorative" val="1"/>
-                </a:ext>
-              </a:extLst>
-            </p:cNvPr>
-            <p:cNvSpPr>
-              <a:spLocks/>
-            </p:cNvSpPr>
-            <p:nvPr>
-              <p:extLst>
-                <p:ext uri="{386F3935-93C4-4BCD-93E2-E3B085C9AB24}">
-                  <p16:designElem xmlns:p16="http://schemas.microsoft.com/office/powerpoint/2015/main" val="1"/>
-                </p:ext>
-              </p:extLst>
-            </p:nvPr>
-          </p:nvSpPr>
-          <p:spPr>
-            <a:xfrm>
-              <a:off x="438068" y="457200"/>
-              <a:ext cx="3703320" cy="94997"/>
-            </a:xfrm>
-            <a:prstGeom prst="rect">
-              <a:avLst/>
-            </a:prstGeom>
-            <a:solidFill>
-              <a:schemeClr val="accent1"/>
-            </a:solidFill>
-            <a:ln>
-              <a:noFill/>
-            </a:ln>
-            <a:effectLst/>
-          </p:spPr>
-          <p:style>
-            <a:lnRef idx="1">
-              <a:schemeClr val="accent1"/>
-            </a:lnRef>
-            <a:fillRef idx="3">
-              <a:schemeClr val="accent1"/>
-            </a:fillRef>
-            <a:effectRef idx="2">
-              <a:schemeClr val="accent1"/>
-            </a:effectRef>
-            <a:fontRef idx="minor">
-              <a:schemeClr val="lt1"/>
-            </a:fontRef>
-          </p:style>
-        </p:sp>
-        <p:sp>
-          <p:nvSpPr>
-            <p:cNvPr id="18" name="Rechteck 17">
-              <a:extLst>
-                <a:ext uri="{FF2B5EF4-FFF2-40B4-BE49-F238E27FC236}">
-                  <a16:creationId xmlns:a16="http://schemas.microsoft.com/office/drawing/2014/main" id="{8703D4EC-9389-41B6-B88B-B6FDC8CD3330}"/>
-                </a:ext>
-                <a:ext uri="{C183D7F6-B498-43B3-948B-1728B52AA6E4}">
-                  <adec:decorative xmlns:adec="http://schemas.microsoft.com/office/drawing/2017/decorative" val="1"/>
-                </a:ext>
-              </a:extLst>
-            </p:cNvPr>
-            <p:cNvSpPr>
-              <a:spLocks/>
-            </p:cNvSpPr>
-            <p:nvPr>
-              <p:extLst>
-                <p:ext uri="{386F3935-93C4-4BCD-93E2-E3B085C9AB24}">
-                  <p16:designElem xmlns:p16="http://schemas.microsoft.com/office/powerpoint/2015/main" val="1"/>
-                </p:ext>
-              </p:extLst>
-            </p:nvPr>
-          </p:nvSpPr>
-          <p:spPr>
-            <a:xfrm>
-              <a:off x="4241830" y="457200"/>
-              <a:ext cx="3703320" cy="91440"/>
-            </a:xfrm>
-            <a:prstGeom prst="rect">
-              <a:avLst/>
-            </a:prstGeom>
-            <a:solidFill>
-              <a:schemeClr val="accent2"/>
-            </a:solidFill>
-            <a:ln>
-              <a:noFill/>
-            </a:ln>
-            <a:effectLst/>
-          </p:spPr>
-          <p:style>
-            <a:lnRef idx="1">
-              <a:schemeClr val="accent1"/>
-            </a:lnRef>
-            <a:fillRef idx="3">
-              <a:schemeClr val="accent1"/>
-            </a:fillRef>
-            <a:effectRef idx="2">
-              <a:schemeClr val="accent1"/>
-            </a:effectRef>
-            <a:fontRef idx="minor">
-              <a:schemeClr val="lt1"/>
-            </a:fontRef>
-          </p:style>
-        </p:sp>
-      </p:grpSp>
-      <p:sp>
-        <p:nvSpPr>
-          <p:cNvPr id="2" name="Titel 1">
-            <a:extLst>
-              <a:ext uri="{FF2B5EF4-FFF2-40B4-BE49-F238E27FC236}">
-                <a16:creationId xmlns:a16="http://schemas.microsoft.com/office/drawing/2014/main" id="{7F2616EE-270D-4F4C-BA1F-2708D387B800}"/>
-              </a:ext>
-            </a:extLst>
-          </p:cNvPr>
-          <p:cNvSpPr>
-            <a:spLocks noGrp="1"/>
-          </p:cNvSpPr>
-          <p:nvPr>
-            <p:ph type="title"/>
-          </p:nvPr>
-        </p:nvSpPr>
-        <p:spPr>
-          <a:xfrm>
-            <a:off x="584200" y="1006956"/>
-            <a:ext cx="7213600" cy="1121871"/>
-          </a:xfrm>
-        </p:spPr>
-        <p:txBody>
-          <a:bodyPr rtlCol="0" anchor="ctr">
-            <a:normAutofit/>
-          </a:bodyPr>
-          <a:lstStyle/>
-          <a:p>
-            <a:pPr algn="ctr" rtl="0"/>
-            <a:r>
-              <a:rPr lang="de-DE" dirty="0"/>
-              <a:t>Digitale Kommunikation</a:t>
-            </a:r>
-          </a:p>
-        </p:txBody>
-      </p:sp>
-      <p:graphicFrame>
-        <p:nvGraphicFramePr>
-          <p:cNvPr id="6" name="Inhaltsplatzhalter 5" descr="SmartArt">
-            <a:extLst>
-              <a:ext uri="{FF2B5EF4-FFF2-40B4-BE49-F238E27FC236}">
-                <a16:creationId xmlns:a16="http://schemas.microsoft.com/office/drawing/2014/main" id="{BF629521-FFD2-45DA-9D1D-A5F09BD5A2D9}"/>
-              </a:ext>
-            </a:extLst>
-          </p:cNvPr>
-          <p:cNvGraphicFramePr>
-            <a:graphicFrameLocks noGrp="1"/>
-          </p:cNvGraphicFramePr>
-          <p:nvPr>
-            <p:ph idx="1"/>
-            <p:extLst>
-              <p:ext uri="{D42A27DB-BD31-4B8C-83A1-F6EECF244321}">
-                <p14:modId xmlns:p14="http://schemas.microsoft.com/office/powerpoint/2010/main" val="3773236244"/>
-              </p:ext>
-            </p:extLst>
-          </p:nvPr>
-        </p:nvGraphicFramePr>
-        <p:xfrm>
-          <a:off x="719571" y="2198254"/>
-          <a:ext cx="6854248" cy="3563938"/>
-        </p:xfrm>
-        <a:graphic>
-          <a:graphicData uri="http://schemas.openxmlformats.org/drawingml/2006/diagram">
-            <dgm:relIds xmlns:dgm="http://schemas.openxmlformats.org/drawingml/2006/diagram" xmlns:r="http://schemas.openxmlformats.org/officeDocument/2006/relationships" r:dm="rId4" r:lo="rId5" r:qs="rId6" r:cs="rId7"/>
-          </a:graphicData>
-        </a:graphic>
-      </p:graphicFrame>
-    </p:spTree>
-    <p:extLst>
-      <p:ext uri="{BB962C8B-B14F-4D97-AF65-F5344CB8AC3E}">
-        <p14:creationId xmlns:p14="http://schemas.microsoft.com/office/powerpoint/2010/main" val="4209322005"/>
-      </p:ext>
-    </p:extLst>
-  </p:cSld>
-  <p:clrMapOvr>
-    <a:masterClrMapping/>
-  </p:clrMapOvr>
-</p:sld>
-</file>
-
-<file path=ppt/slides/slide5.xml><?xml version="1.0" encoding="utf-8"?>
+<file path=ppt/slides/slide10.xml><?xml version="1.0" encoding="utf-8"?>
 <p:sld xmlns:a="http://schemas.openxmlformats.org/drawingml/2006/main" xmlns:r="http://schemas.openxmlformats.org/officeDocument/2006/relationships" xmlns:p="http://schemas.openxmlformats.org/presentationml/2006/main">
   <p:cSld>
     <p:bg>
@@ -13026,13 +12746,34 @@
           <a:p>
             <a:pPr rtl="0"/>
             <a:r>
-              <a:rPr lang="de-DE">
+              <a:rPr lang="de-DE" dirty="0" err="1">
                 <a:solidFill>
                   <a:srgbClr val="FFFFFF"/>
                 </a:solidFill>
               </a:rPr>
-              <a:t>Vielen Dank</a:t>
+              <a:t>Thank</a:t>
             </a:r>
+            <a:r>
+              <a:rPr lang="de-DE" dirty="0">
+                <a:solidFill>
+                  <a:srgbClr val="FFFFFF"/>
+                </a:solidFill>
+              </a:rPr>
+              <a:t> </a:t>
+            </a:r>
+            <a:r>
+              <a:rPr lang="de-DE" dirty="0" err="1">
+                <a:solidFill>
+                  <a:srgbClr val="FFFFFF"/>
+                </a:solidFill>
+              </a:rPr>
+              <a:t>you</a:t>
+            </a:r>
+            <a:endParaRPr lang="de-DE" dirty="0">
+              <a:solidFill>
+                <a:srgbClr val="FFFFFF"/>
+              </a:solidFill>
+            </a:endParaRPr>
           </a:p>
         </p:txBody>
       </p:sp>
@@ -13065,18 +12806,7 @@
           <a:lstStyle/>
           <a:p>
             <a:pPr rtl="0"/>
-            <a:r>
-              <a:rPr lang="de-DE">
-                <a:solidFill>
-                  <a:schemeClr val="bg2"/>
-                </a:solidFill>
-              </a:rPr>
-              <a:t>jemand@example.com</a:t>
-            </a:r>
-          </a:p>
-          <a:p>
-            <a:pPr rtl="0"/>
-            <a:endParaRPr lang="de-DE">
+            <a:endParaRPr lang="de-DE" dirty="0">
               <a:solidFill>
                 <a:schemeClr val="bg2"/>
               </a:solidFill>
@@ -13084,7 +12814,7 @@
           </a:p>
           <a:p>
             <a:pPr rtl="0"/>
-            <a:endParaRPr lang="de-DE">
+            <a:endParaRPr lang="de-DE" dirty="0">
               <a:solidFill>
                 <a:schemeClr val="bg2"/>
               </a:solidFill>
@@ -13131,6 +12861,1623 @@
     <p:extLst>
       <p:ext uri="{BB962C8B-B14F-4D97-AF65-F5344CB8AC3E}">
         <p14:creationId xmlns:p14="http://schemas.microsoft.com/office/powerpoint/2010/main" val="3501347425"/>
+      </p:ext>
+    </p:extLst>
+  </p:cSld>
+  <p:clrMapOvr>
+    <a:masterClrMapping/>
+  </p:clrMapOvr>
+</p:sld>
+</file>
+
+<file path=ppt/slides/slide2.xml><?xml version="1.0" encoding="utf-8"?>
+<p:sld xmlns:a="http://schemas.openxmlformats.org/drawingml/2006/main" xmlns:r="http://schemas.openxmlformats.org/officeDocument/2006/relationships" xmlns:p="http://schemas.openxmlformats.org/presentationml/2006/main">
+  <p:cSld>
+    <p:bg>
+      <p:bgPr>
+        <a:solidFill>
+          <a:schemeClr val="bg1"/>
+        </a:solidFill>
+        <a:effectLst/>
+      </p:bgPr>
+    </p:bg>
+    <p:spTree>
+      <p:nvGrpSpPr>
+        <p:cNvPr id="1" name=""/>
+        <p:cNvGrpSpPr/>
+        <p:nvPr/>
+      </p:nvGrpSpPr>
+      <p:grpSpPr>
+        <a:xfrm>
+          <a:off x="0" y="0"/>
+          <a:ext cx="0" cy="0"/>
+          <a:chOff x="0" y="0"/>
+          <a:chExt cx="0" cy="0"/>
+        </a:xfrm>
+      </p:grpSpPr>
+      <p:sp useBgFill="1">
+        <p:nvSpPr>
+          <p:cNvPr id="29" name="Rechteck 28">
+            <a:extLst>
+              <a:ext uri="{FF2B5EF4-FFF2-40B4-BE49-F238E27FC236}">
+                <a16:creationId xmlns:a16="http://schemas.microsoft.com/office/drawing/2014/main" id="{BFDA9692-ECDC-4B59-86B2-8C90FDE1A055}"/>
+              </a:ext>
+              <a:ext uri="{C183D7F6-B498-43B3-948B-1728B52AA6E4}">
+                <adec:decorative xmlns:adec="http://schemas.microsoft.com/office/drawing/2017/decorative" val="1"/>
+              </a:ext>
+            </a:extLst>
+          </p:cNvPr>
+          <p:cNvSpPr>
+            <a:spLocks noChangeAspect="1"/>
+          </p:cNvSpPr>
+          <p:nvPr>
+            <p:extLst>
+              <p:ext uri="{386F3935-93C4-4BCD-93E2-E3B085C9AB24}">
+                <p16:designElem xmlns:p16="http://schemas.microsoft.com/office/powerpoint/2015/main" val="1"/>
+              </p:ext>
+            </p:extLst>
+          </p:nvPr>
+        </p:nvSpPr>
+        <p:spPr>
+          <a:xfrm>
+            <a:off x="0" y="536712"/>
+            <a:ext cx="12192000" cy="6321287"/>
+          </a:xfrm>
+          <a:prstGeom prst="rect">
+            <a:avLst/>
+          </a:prstGeom>
+          <a:ln>
+            <a:noFill/>
+          </a:ln>
+        </p:spPr>
+        <p:style>
+          <a:lnRef idx="2">
+            <a:schemeClr val="accent1">
+              <a:shade val="50000"/>
+            </a:schemeClr>
+          </a:lnRef>
+          <a:fillRef idx="1">
+            <a:schemeClr val="accent1"/>
+          </a:fillRef>
+          <a:effectRef idx="0">
+            <a:schemeClr val="accent1"/>
+          </a:effectRef>
+          <a:fontRef idx="minor">
+            <a:schemeClr val="lt1"/>
+          </a:fontRef>
+        </p:style>
+        <p:txBody>
+          <a:bodyPr rtlCol="0" anchor="ctr"/>
+          <a:lstStyle/>
+          <a:p>
+            <a:pPr algn="ctr" rtl="0"/>
+            <a:endParaRPr lang="de-DE" dirty="0"/>
+          </a:p>
+        </p:txBody>
+      </p:sp>
+      <p:sp>
+        <p:nvSpPr>
+          <p:cNvPr id="31" name="Rechteck 30">
+            <a:extLst>
+              <a:ext uri="{FF2B5EF4-FFF2-40B4-BE49-F238E27FC236}">
+                <a16:creationId xmlns:a16="http://schemas.microsoft.com/office/drawing/2014/main" id="{12C05506-42A1-49C0-9D87-081CCD9023D6}"/>
+              </a:ext>
+              <a:ext uri="{C183D7F6-B498-43B3-948B-1728B52AA6E4}">
+                <adec:decorative xmlns:adec="http://schemas.microsoft.com/office/drawing/2017/decorative" val="1"/>
+              </a:ext>
+            </a:extLst>
+          </p:cNvPr>
+          <p:cNvSpPr>
+            <a:spLocks noChangeAspect="1"/>
+          </p:cNvSpPr>
+          <p:nvPr>
+            <p:extLst>
+              <p:ext uri="{386F3935-93C4-4BCD-93E2-E3B085C9AB24}">
+                <p16:designElem xmlns:p16="http://schemas.microsoft.com/office/powerpoint/2015/main" val="1"/>
+              </p:ext>
+            </p:extLst>
+          </p:nvPr>
+        </p:nvSpPr>
+        <p:spPr>
+          <a:xfrm>
+            <a:off x="447817" y="5141974"/>
+            <a:ext cx="11290860" cy="1258827"/>
+          </a:xfrm>
+          <a:prstGeom prst="rect">
+            <a:avLst/>
+          </a:prstGeom>
+          <a:solidFill>
+            <a:schemeClr val="accent1"/>
+          </a:solidFill>
+          <a:ln>
+            <a:noFill/>
+          </a:ln>
+          <a:effectLst/>
+        </p:spPr>
+        <p:style>
+          <a:lnRef idx="1">
+            <a:schemeClr val="accent1"/>
+          </a:lnRef>
+          <a:fillRef idx="3">
+            <a:schemeClr val="accent1"/>
+          </a:fillRef>
+          <a:effectRef idx="2">
+            <a:schemeClr val="accent1"/>
+          </a:effectRef>
+          <a:fontRef idx="minor">
+            <a:schemeClr val="lt1"/>
+          </a:fontRef>
+        </p:style>
+      </p:sp>
+      <p:sp>
+        <p:nvSpPr>
+          <p:cNvPr id="2" name="Titel 1">
+            <a:extLst>
+              <a:ext uri="{FF2B5EF4-FFF2-40B4-BE49-F238E27FC236}">
+                <a16:creationId xmlns:a16="http://schemas.microsoft.com/office/drawing/2014/main" id="{5B040558-A365-4CCE-92FA-5A48CD98F9C9}"/>
+              </a:ext>
+            </a:extLst>
+          </p:cNvPr>
+          <p:cNvSpPr>
+            <a:spLocks noGrp="1"/>
+          </p:cNvSpPr>
+          <p:nvPr>
+            <p:ph type="title"/>
+          </p:nvPr>
+        </p:nvSpPr>
+        <p:spPr>
+          <a:xfrm>
+            <a:off x="581192" y="5264487"/>
+            <a:ext cx="11029616" cy="718870"/>
+          </a:xfrm>
+        </p:spPr>
+        <p:txBody>
+          <a:bodyPr rtlCol="0">
+            <a:normAutofit/>
+          </a:bodyPr>
+          <a:lstStyle/>
+          <a:p>
+            <a:pPr rtl="0"/>
+            <a:r>
+              <a:rPr lang="de-DE" dirty="0">
+                <a:solidFill>
+                  <a:srgbClr val="FFFEFF"/>
+                </a:solidFill>
+              </a:rPr>
+              <a:t>Key Features </a:t>
+            </a:r>
+          </a:p>
+        </p:txBody>
+      </p:sp>
+      <p:graphicFrame>
+        <p:nvGraphicFramePr>
+          <p:cNvPr id="4" name="Inhaltsplatzhalter 3" descr="Symbol für SmartArt-Grafik">
+            <a:extLst>
+              <a:ext uri="{FF2B5EF4-FFF2-40B4-BE49-F238E27FC236}">
+                <a16:creationId xmlns:a16="http://schemas.microsoft.com/office/drawing/2014/main" id="{81E592E1-99DF-4294-A2E9-EF46299BD3F4}"/>
+              </a:ext>
+            </a:extLst>
+          </p:cNvPr>
+          <p:cNvGraphicFramePr>
+            <a:graphicFrameLocks noGrp="1"/>
+          </p:cNvGraphicFramePr>
+          <p:nvPr>
+            <p:ph idx="1"/>
+            <p:extLst>
+              <p:ext uri="{D42A27DB-BD31-4B8C-83A1-F6EECF244321}">
+                <p14:modId xmlns:p14="http://schemas.microsoft.com/office/powerpoint/2010/main" val="265490799"/>
+              </p:ext>
+            </p:extLst>
+          </p:nvPr>
+        </p:nvGraphicFramePr>
+        <p:xfrm>
+          <a:off x="642938" y="858445"/>
+          <a:ext cx="10906125" cy="3961205"/>
+        </p:xfrm>
+        <a:graphic>
+          <a:graphicData uri="http://schemas.openxmlformats.org/drawingml/2006/diagram">
+            <dgm:relIds xmlns:dgm="http://schemas.openxmlformats.org/drawingml/2006/diagram" xmlns:r="http://schemas.openxmlformats.org/officeDocument/2006/relationships" r:dm="rId3" r:lo="rId4" r:qs="rId5" r:cs="rId6"/>
+          </a:graphicData>
+        </a:graphic>
+      </p:graphicFrame>
+    </p:spTree>
+    <p:extLst>
+      <p:ext uri="{BB962C8B-B14F-4D97-AF65-F5344CB8AC3E}">
+        <p14:creationId xmlns:p14="http://schemas.microsoft.com/office/powerpoint/2010/main" val="1703342593"/>
+      </p:ext>
+    </p:extLst>
+  </p:cSld>
+  <p:clrMapOvr>
+    <a:masterClrMapping/>
+  </p:clrMapOvr>
+</p:sld>
+</file>
+
+<file path=ppt/slides/slide3.xml><?xml version="1.0" encoding="utf-8"?>
+<p:sld xmlns:a="http://schemas.openxmlformats.org/drawingml/2006/main" xmlns:r="http://schemas.openxmlformats.org/officeDocument/2006/relationships" xmlns:p="http://schemas.openxmlformats.org/presentationml/2006/main">
+  <p:cSld>
+    <p:spTree>
+      <p:nvGrpSpPr>
+        <p:cNvPr id="1" name=""/>
+        <p:cNvGrpSpPr/>
+        <p:nvPr/>
+      </p:nvGrpSpPr>
+      <p:grpSpPr>
+        <a:xfrm>
+          <a:off x="0" y="0"/>
+          <a:ext cx="0" cy="0"/>
+          <a:chOff x="0" y="0"/>
+          <a:chExt cx="0" cy="0"/>
+        </a:xfrm>
+      </p:grpSpPr>
+      <p:sp>
+        <p:nvSpPr>
+          <p:cNvPr id="2" name="Titel 1">
+            <a:extLst>
+              <a:ext uri="{FF2B5EF4-FFF2-40B4-BE49-F238E27FC236}">
+                <a16:creationId xmlns:a16="http://schemas.microsoft.com/office/drawing/2014/main" id="{5B040558-A365-4CCE-92FA-5A48CD98F9C9}"/>
+              </a:ext>
+            </a:extLst>
+          </p:cNvPr>
+          <p:cNvSpPr>
+            <a:spLocks noGrp="1"/>
+          </p:cNvSpPr>
+          <p:nvPr>
+            <p:ph type="title"/>
+          </p:nvPr>
+        </p:nvSpPr>
+        <p:spPr>
+          <a:xfrm>
+            <a:off x="581192" y="5264487"/>
+            <a:ext cx="11029616" cy="718870"/>
+          </a:xfrm>
+        </p:spPr>
+        <p:txBody>
+          <a:bodyPr rtlCol="0">
+            <a:normAutofit/>
+          </a:bodyPr>
+          <a:lstStyle/>
+          <a:p>
+            <a:pPr rtl="0"/>
+            <a:r>
+              <a:rPr lang="de-DE" dirty="0">
+                <a:solidFill>
+                  <a:srgbClr val="FFFEFF"/>
+                </a:solidFill>
+              </a:rPr>
+              <a:t>Key Features </a:t>
+            </a:r>
+          </a:p>
+        </p:txBody>
+      </p:sp>
+      <p:sp>
+        <p:nvSpPr>
+          <p:cNvPr id="13" name="Inhaltsplatzhalter 12">
+            <a:extLst>
+              <a:ext uri="{FF2B5EF4-FFF2-40B4-BE49-F238E27FC236}">
+                <a16:creationId xmlns:a16="http://schemas.microsoft.com/office/drawing/2014/main" id="{4FFF20E5-974B-1DDF-F42B-5970215ABA88}"/>
+              </a:ext>
+            </a:extLst>
+          </p:cNvPr>
+          <p:cNvSpPr>
+            <a:spLocks noGrp="1"/>
+          </p:cNvSpPr>
+          <p:nvPr>
+            <p:ph idx="1"/>
+          </p:nvPr>
+        </p:nvSpPr>
+        <p:spPr/>
+        <p:txBody>
+          <a:bodyPr/>
+          <a:lstStyle/>
+          <a:p>
+            <a:endParaRPr lang="de-DE"/>
+          </a:p>
+        </p:txBody>
+      </p:sp>
+      <p:pic>
+        <p:nvPicPr>
+          <p:cNvPr id="15" name="Grafik 14">
+            <a:extLst>
+              <a:ext uri="{FF2B5EF4-FFF2-40B4-BE49-F238E27FC236}">
+                <a16:creationId xmlns:a16="http://schemas.microsoft.com/office/drawing/2014/main" id="{58122C05-AC3A-20E4-E893-EC319842CC5F}"/>
+              </a:ext>
+            </a:extLst>
+          </p:cNvPr>
+          <p:cNvPicPr>
+            <a:picLocks noChangeAspect="1"/>
+          </p:cNvPicPr>
+          <p:nvPr/>
+        </p:nvPicPr>
+        <p:blipFill>
+          <a:blip r:embed="rId3"/>
+          <a:stretch>
+            <a:fillRect/>
+          </a:stretch>
+        </p:blipFill>
+        <p:spPr>
+          <a:xfrm>
+            <a:off x="-1" y="0"/>
+            <a:ext cx="12964099" cy="6858000"/>
+          </a:xfrm>
+          <a:prstGeom prst="rect">
+            <a:avLst/>
+          </a:prstGeom>
+        </p:spPr>
+      </p:pic>
+    </p:spTree>
+    <p:extLst>
+      <p:ext uri="{BB962C8B-B14F-4D97-AF65-F5344CB8AC3E}">
+        <p14:creationId xmlns:p14="http://schemas.microsoft.com/office/powerpoint/2010/main" val="571055241"/>
+      </p:ext>
+    </p:extLst>
+  </p:cSld>
+  <p:clrMapOvr>
+    <a:masterClrMapping/>
+  </p:clrMapOvr>
+</p:sld>
+</file>
+
+<file path=ppt/slides/slide4.xml><?xml version="1.0" encoding="utf-8"?>
+<p:sld xmlns:a="http://schemas.openxmlformats.org/drawingml/2006/main" xmlns:r="http://schemas.openxmlformats.org/officeDocument/2006/relationships" xmlns:p="http://schemas.openxmlformats.org/presentationml/2006/main">
+  <p:cSld>
+    <p:spTree>
+      <p:nvGrpSpPr>
+        <p:cNvPr id="1" name=""/>
+        <p:cNvGrpSpPr/>
+        <p:nvPr/>
+      </p:nvGrpSpPr>
+      <p:grpSpPr>
+        <a:xfrm>
+          <a:off x="0" y="0"/>
+          <a:ext cx="0" cy="0"/>
+          <a:chOff x="0" y="0"/>
+          <a:chExt cx="0" cy="0"/>
+        </a:xfrm>
+      </p:grpSpPr>
+      <p:sp>
+        <p:nvSpPr>
+          <p:cNvPr id="2" name="Titel 1">
+            <a:extLst>
+              <a:ext uri="{FF2B5EF4-FFF2-40B4-BE49-F238E27FC236}">
+                <a16:creationId xmlns:a16="http://schemas.microsoft.com/office/drawing/2014/main" id="{5B040558-A365-4CCE-92FA-5A48CD98F9C9}"/>
+              </a:ext>
+            </a:extLst>
+          </p:cNvPr>
+          <p:cNvSpPr>
+            <a:spLocks noGrp="1"/>
+          </p:cNvSpPr>
+          <p:nvPr>
+            <p:ph type="title"/>
+          </p:nvPr>
+        </p:nvSpPr>
+        <p:spPr>
+          <a:xfrm>
+            <a:off x="581192" y="5264487"/>
+            <a:ext cx="11029616" cy="718870"/>
+          </a:xfrm>
+        </p:spPr>
+        <p:txBody>
+          <a:bodyPr rtlCol="0">
+            <a:normAutofit/>
+          </a:bodyPr>
+          <a:lstStyle/>
+          <a:p>
+            <a:pPr rtl="0"/>
+            <a:r>
+              <a:rPr lang="de-DE" dirty="0">
+                <a:solidFill>
+                  <a:srgbClr val="FFFEFF"/>
+                </a:solidFill>
+              </a:rPr>
+              <a:t>Key Features </a:t>
+            </a:r>
+          </a:p>
+        </p:txBody>
+      </p:sp>
+      <p:pic>
+        <p:nvPicPr>
+          <p:cNvPr id="10" name="Inhaltsplatzhalter 9">
+            <a:extLst>
+              <a:ext uri="{FF2B5EF4-FFF2-40B4-BE49-F238E27FC236}">
+                <a16:creationId xmlns:a16="http://schemas.microsoft.com/office/drawing/2014/main" id="{1B7EF39B-848C-2565-B5E6-9523602939BB}"/>
+              </a:ext>
+            </a:extLst>
+          </p:cNvPr>
+          <p:cNvPicPr>
+            <a:picLocks noGrp="1" noChangeAspect="1"/>
+          </p:cNvPicPr>
+          <p:nvPr>
+            <p:ph idx="1"/>
+          </p:nvPr>
+        </p:nvPicPr>
+        <p:blipFill>
+          <a:blip r:embed="rId3"/>
+          <a:stretch>
+            <a:fillRect/>
+          </a:stretch>
+        </p:blipFill>
+        <p:spPr>
+          <a:xfrm>
+            <a:off x="-293794" y="0"/>
+            <a:ext cx="13101369" cy="6858000"/>
+          </a:xfrm>
+        </p:spPr>
+      </p:pic>
+    </p:spTree>
+    <p:extLst>
+      <p:ext uri="{BB962C8B-B14F-4D97-AF65-F5344CB8AC3E}">
+        <p14:creationId xmlns:p14="http://schemas.microsoft.com/office/powerpoint/2010/main" val="3245286853"/>
+      </p:ext>
+    </p:extLst>
+  </p:cSld>
+  <p:clrMapOvr>
+    <a:masterClrMapping/>
+  </p:clrMapOvr>
+</p:sld>
+</file>
+
+<file path=ppt/slides/slide5.xml><?xml version="1.0" encoding="utf-8"?>
+<p:sld xmlns:a="http://schemas.openxmlformats.org/drawingml/2006/main" xmlns:r="http://schemas.openxmlformats.org/officeDocument/2006/relationships" xmlns:p="http://schemas.openxmlformats.org/presentationml/2006/main">
+  <p:cSld>
+    <p:spTree>
+      <p:nvGrpSpPr>
+        <p:cNvPr id="1" name=""/>
+        <p:cNvGrpSpPr/>
+        <p:nvPr/>
+      </p:nvGrpSpPr>
+      <p:grpSpPr>
+        <a:xfrm>
+          <a:off x="0" y="0"/>
+          <a:ext cx="0" cy="0"/>
+          <a:chOff x="0" y="0"/>
+          <a:chExt cx="0" cy="0"/>
+        </a:xfrm>
+      </p:grpSpPr>
+      <p:sp>
+        <p:nvSpPr>
+          <p:cNvPr id="2" name="Titel 1">
+            <a:extLst>
+              <a:ext uri="{FF2B5EF4-FFF2-40B4-BE49-F238E27FC236}">
+                <a16:creationId xmlns:a16="http://schemas.microsoft.com/office/drawing/2014/main" id="{5B040558-A365-4CCE-92FA-5A48CD98F9C9}"/>
+              </a:ext>
+            </a:extLst>
+          </p:cNvPr>
+          <p:cNvSpPr>
+            <a:spLocks noGrp="1"/>
+          </p:cNvSpPr>
+          <p:nvPr>
+            <p:ph type="title"/>
+          </p:nvPr>
+        </p:nvSpPr>
+        <p:spPr>
+          <a:xfrm>
+            <a:off x="581192" y="5264487"/>
+            <a:ext cx="11029616" cy="718870"/>
+          </a:xfrm>
+        </p:spPr>
+        <p:txBody>
+          <a:bodyPr rtlCol="0">
+            <a:normAutofit/>
+          </a:bodyPr>
+          <a:lstStyle/>
+          <a:p>
+            <a:pPr rtl="0"/>
+            <a:r>
+              <a:rPr lang="de-DE" dirty="0">
+                <a:solidFill>
+                  <a:srgbClr val="FFFEFF"/>
+                </a:solidFill>
+              </a:rPr>
+              <a:t>Key Features </a:t>
+            </a:r>
+          </a:p>
+        </p:txBody>
+      </p:sp>
+      <p:sp>
+        <p:nvSpPr>
+          <p:cNvPr id="4" name="Inhaltsplatzhalter 3">
+            <a:extLst>
+              <a:ext uri="{FF2B5EF4-FFF2-40B4-BE49-F238E27FC236}">
+                <a16:creationId xmlns:a16="http://schemas.microsoft.com/office/drawing/2014/main" id="{9A027620-82D2-991C-CD8B-08E00B620946}"/>
+              </a:ext>
+            </a:extLst>
+          </p:cNvPr>
+          <p:cNvSpPr>
+            <a:spLocks noGrp="1"/>
+          </p:cNvSpPr>
+          <p:nvPr>
+            <p:ph idx="1"/>
+          </p:nvPr>
+        </p:nvSpPr>
+        <p:spPr/>
+        <p:txBody>
+          <a:bodyPr/>
+          <a:lstStyle/>
+          <a:p>
+            <a:endParaRPr lang="de-DE"/>
+          </a:p>
+        </p:txBody>
+      </p:sp>
+      <p:pic>
+        <p:nvPicPr>
+          <p:cNvPr id="6" name="Grafik 5">
+            <a:extLst>
+              <a:ext uri="{FF2B5EF4-FFF2-40B4-BE49-F238E27FC236}">
+                <a16:creationId xmlns:a16="http://schemas.microsoft.com/office/drawing/2014/main" id="{9C521010-DC0C-2E2A-7FF4-0DF127C88F03}"/>
+              </a:ext>
+            </a:extLst>
+          </p:cNvPr>
+          <p:cNvPicPr>
+            <a:picLocks noChangeAspect="1"/>
+          </p:cNvPicPr>
+          <p:nvPr/>
+        </p:nvPicPr>
+        <p:blipFill>
+          <a:blip r:embed="rId3"/>
+          <a:stretch>
+            <a:fillRect/>
+          </a:stretch>
+        </p:blipFill>
+        <p:spPr>
+          <a:xfrm>
+            <a:off x="0" y="0"/>
+            <a:ext cx="12571796" cy="6979138"/>
+          </a:xfrm>
+          <a:prstGeom prst="rect">
+            <a:avLst/>
+          </a:prstGeom>
+        </p:spPr>
+      </p:pic>
+    </p:spTree>
+    <p:extLst>
+      <p:ext uri="{BB962C8B-B14F-4D97-AF65-F5344CB8AC3E}">
+        <p14:creationId xmlns:p14="http://schemas.microsoft.com/office/powerpoint/2010/main" val="3430532389"/>
+      </p:ext>
+    </p:extLst>
+  </p:cSld>
+  <p:clrMapOvr>
+    <a:masterClrMapping/>
+  </p:clrMapOvr>
+</p:sld>
+</file>
+
+<file path=ppt/slides/slide6.xml><?xml version="1.0" encoding="utf-8"?>
+<p:sld xmlns:a="http://schemas.openxmlformats.org/drawingml/2006/main" xmlns:r="http://schemas.openxmlformats.org/officeDocument/2006/relationships" xmlns:p="http://schemas.openxmlformats.org/presentationml/2006/main">
+  <p:cSld>
+    <p:spTree>
+      <p:nvGrpSpPr>
+        <p:cNvPr id="1" name=""/>
+        <p:cNvGrpSpPr/>
+        <p:nvPr/>
+      </p:nvGrpSpPr>
+      <p:grpSpPr>
+        <a:xfrm>
+          <a:off x="0" y="0"/>
+          <a:ext cx="0" cy="0"/>
+          <a:chOff x="0" y="0"/>
+          <a:chExt cx="0" cy="0"/>
+        </a:xfrm>
+      </p:grpSpPr>
+      <p:sp>
+        <p:nvSpPr>
+          <p:cNvPr id="2" name="Titel 1">
+            <a:extLst>
+              <a:ext uri="{FF2B5EF4-FFF2-40B4-BE49-F238E27FC236}">
+                <a16:creationId xmlns:a16="http://schemas.microsoft.com/office/drawing/2014/main" id="{5B040558-A365-4CCE-92FA-5A48CD98F9C9}"/>
+              </a:ext>
+            </a:extLst>
+          </p:cNvPr>
+          <p:cNvSpPr>
+            <a:spLocks noGrp="1"/>
+          </p:cNvSpPr>
+          <p:nvPr>
+            <p:ph type="title"/>
+          </p:nvPr>
+        </p:nvSpPr>
+        <p:spPr>
+          <a:xfrm>
+            <a:off x="581192" y="5264487"/>
+            <a:ext cx="11029616" cy="718870"/>
+          </a:xfrm>
+        </p:spPr>
+        <p:txBody>
+          <a:bodyPr rtlCol="0">
+            <a:normAutofit/>
+          </a:bodyPr>
+          <a:lstStyle/>
+          <a:p>
+            <a:pPr rtl="0"/>
+            <a:r>
+              <a:rPr lang="de-DE" dirty="0">
+                <a:solidFill>
+                  <a:srgbClr val="FFFEFF"/>
+                </a:solidFill>
+              </a:rPr>
+              <a:t>Key Features </a:t>
+            </a:r>
+          </a:p>
+        </p:txBody>
+      </p:sp>
+      <p:sp>
+        <p:nvSpPr>
+          <p:cNvPr id="4" name="Inhaltsplatzhalter 3">
+            <a:extLst>
+              <a:ext uri="{FF2B5EF4-FFF2-40B4-BE49-F238E27FC236}">
+                <a16:creationId xmlns:a16="http://schemas.microsoft.com/office/drawing/2014/main" id="{02B004F8-554F-FAEA-9BAE-61030163013D}"/>
+              </a:ext>
+            </a:extLst>
+          </p:cNvPr>
+          <p:cNvSpPr>
+            <a:spLocks noGrp="1"/>
+          </p:cNvSpPr>
+          <p:nvPr>
+            <p:ph idx="1"/>
+          </p:nvPr>
+        </p:nvSpPr>
+        <p:spPr/>
+        <p:txBody>
+          <a:bodyPr/>
+          <a:lstStyle/>
+          <a:p>
+            <a:endParaRPr lang="de-DE"/>
+          </a:p>
+        </p:txBody>
+      </p:sp>
+      <p:pic>
+        <p:nvPicPr>
+          <p:cNvPr id="6" name="Grafik 5">
+            <a:extLst>
+              <a:ext uri="{FF2B5EF4-FFF2-40B4-BE49-F238E27FC236}">
+                <a16:creationId xmlns:a16="http://schemas.microsoft.com/office/drawing/2014/main" id="{F764CA28-084A-139C-7EB5-83891920264E}"/>
+              </a:ext>
+            </a:extLst>
+          </p:cNvPr>
+          <p:cNvPicPr>
+            <a:picLocks noChangeAspect="1"/>
+          </p:cNvPicPr>
+          <p:nvPr/>
+        </p:nvPicPr>
+        <p:blipFill>
+          <a:blip r:embed="rId3"/>
+          <a:stretch>
+            <a:fillRect/>
+          </a:stretch>
+        </p:blipFill>
+        <p:spPr>
+          <a:xfrm>
+            <a:off x="0" y="0"/>
+            <a:ext cx="12541028" cy="6858000"/>
+          </a:xfrm>
+          <a:prstGeom prst="rect">
+            <a:avLst/>
+          </a:prstGeom>
+        </p:spPr>
+      </p:pic>
+    </p:spTree>
+    <p:extLst>
+      <p:ext uri="{BB962C8B-B14F-4D97-AF65-F5344CB8AC3E}">
+        <p14:creationId xmlns:p14="http://schemas.microsoft.com/office/powerpoint/2010/main" val="438671732"/>
+      </p:ext>
+    </p:extLst>
+  </p:cSld>
+  <p:clrMapOvr>
+    <a:masterClrMapping/>
+  </p:clrMapOvr>
+</p:sld>
+</file>
+
+<file path=ppt/slides/slide7.xml><?xml version="1.0" encoding="utf-8"?>
+<p:sld xmlns:a="http://schemas.openxmlformats.org/drawingml/2006/main" xmlns:r="http://schemas.openxmlformats.org/officeDocument/2006/relationships" xmlns:p="http://schemas.openxmlformats.org/presentationml/2006/main">
+  <p:cSld>
+    <p:spTree>
+      <p:nvGrpSpPr>
+        <p:cNvPr id="1" name=""/>
+        <p:cNvGrpSpPr/>
+        <p:nvPr/>
+      </p:nvGrpSpPr>
+      <p:grpSpPr>
+        <a:xfrm>
+          <a:off x="0" y="0"/>
+          <a:ext cx="0" cy="0"/>
+          <a:chOff x="0" y="0"/>
+          <a:chExt cx="0" cy="0"/>
+        </a:xfrm>
+      </p:grpSpPr>
+      <p:sp>
+        <p:nvSpPr>
+          <p:cNvPr id="2" name="Titel 1">
+            <a:extLst>
+              <a:ext uri="{FF2B5EF4-FFF2-40B4-BE49-F238E27FC236}">
+                <a16:creationId xmlns:a16="http://schemas.microsoft.com/office/drawing/2014/main" id="{5B040558-A365-4CCE-92FA-5A48CD98F9C9}"/>
+              </a:ext>
+            </a:extLst>
+          </p:cNvPr>
+          <p:cNvSpPr>
+            <a:spLocks noGrp="1"/>
+          </p:cNvSpPr>
+          <p:nvPr>
+            <p:ph type="title"/>
+          </p:nvPr>
+        </p:nvSpPr>
+        <p:spPr>
+          <a:xfrm>
+            <a:off x="581192" y="5264487"/>
+            <a:ext cx="11029616" cy="718870"/>
+          </a:xfrm>
+        </p:spPr>
+        <p:txBody>
+          <a:bodyPr rtlCol="0">
+            <a:normAutofit/>
+          </a:bodyPr>
+          <a:lstStyle/>
+          <a:p>
+            <a:pPr rtl="0"/>
+            <a:r>
+              <a:rPr lang="de-DE" dirty="0">
+                <a:solidFill>
+                  <a:srgbClr val="FFFEFF"/>
+                </a:solidFill>
+              </a:rPr>
+              <a:t>Key Features </a:t>
+            </a:r>
+          </a:p>
+        </p:txBody>
+      </p:sp>
+      <p:sp>
+        <p:nvSpPr>
+          <p:cNvPr id="4" name="Inhaltsplatzhalter 3">
+            <a:extLst>
+              <a:ext uri="{FF2B5EF4-FFF2-40B4-BE49-F238E27FC236}">
+                <a16:creationId xmlns:a16="http://schemas.microsoft.com/office/drawing/2014/main" id="{02B004F8-554F-FAEA-9BAE-61030163013D}"/>
+              </a:ext>
+            </a:extLst>
+          </p:cNvPr>
+          <p:cNvSpPr>
+            <a:spLocks noGrp="1"/>
+          </p:cNvSpPr>
+          <p:nvPr>
+            <p:ph idx="1"/>
+          </p:nvPr>
+        </p:nvSpPr>
+        <p:spPr/>
+        <p:txBody>
+          <a:bodyPr/>
+          <a:lstStyle/>
+          <a:p>
+            <a:endParaRPr lang="de-DE"/>
+          </a:p>
+        </p:txBody>
+      </p:sp>
+      <p:pic>
+        <p:nvPicPr>
+          <p:cNvPr id="5" name="Grafik 4">
+            <a:extLst>
+              <a:ext uri="{FF2B5EF4-FFF2-40B4-BE49-F238E27FC236}">
+                <a16:creationId xmlns:a16="http://schemas.microsoft.com/office/drawing/2014/main" id="{A8F8DAB6-24B5-9C51-880A-19D742DC4487}"/>
+              </a:ext>
+            </a:extLst>
+          </p:cNvPr>
+          <p:cNvPicPr>
+            <a:picLocks noChangeAspect="1"/>
+          </p:cNvPicPr>
+          <p:nvPr/>
+        </p:nvPicPr>
+        <p:blipFill>
+          <a:blip r:embed="rId3"/>
+          <a:stretch>
+            <a:fillRect/>
+          </a:stretch>
+        </p:blipFill>
+        <p:spPr>
+          <a:xfrm>
+            <a:off x="0" y="0"/>
+            <a:ext cx="13052580" cy="6858000"/>
+          </a:xfrm>
+          <a:prstGeom prst="rect">
+            <a:avLst/>
+          </a:prstGeom>
+        </p:spPr>
+      </p:pic>
+    </p:spTree>
+    <p:extLst>
+      <p:ext uri="{BB962C8B-B14F-4D97-AF65-F5344CB8AC3E}">
+        <p14:creationId xmlns:p14="http://schemas.microsoft.com/office/powerpoint/2010/main" val="2548855990"/>
+      </p:ext>
+    </p:extLst>
+  </p:cSld>
+  <p:clrMapOvr>
+    <a:masterClrMapping/>
+  </p:clrMapOvr>
+</p:sld>
+</file>
+
+<file path=ppt/slides/slide8.xml><?xml version="1.0" encoding="utf-8"?>
+<p:sld xmlns:a="http://schemas.openxmlformats.org/drawingml/2006/main" xmlns:r="http://schemas.openxmlformats.org/officeDocument/2006/relationships" xmlns:p="http://schemas.openxmlformats.org/presentationml/2006/main">
+  <p:cSld>
+    <p:bg>
+      <p:bgPr>
+        <a:solidFill>
+          <a:schemeClr val="bg1"/>
+        </a:solidFill>
+        <a:effectLst/>
+      </p:bgPr>
+    </p:bg>
+    <p:spTree>
+      <p:nvGrpSpPr>
+        <p:cNvPr id="1" name=""/>
+        <p:cNvGrpSpPr/>
+        <p:nvPr/>
+      </p:nvGrpSpPr>
+      <p:grpSpPr>
+        <a:xfrm>
+          <a:off x="0" y="0"/>
+          <a:ext cx="0" cy="0"/>
+          <a:chOff x="0" y="0"/>
+          <a:chExt cx="0" cy="0"/>
+        </a:xfrm>
+      </p:grpSpPr>
+      <p:sp useBgFill="1">
+        <p:nvSpPr>
+          <p:cNvPr id="13" name="Rechteck 12">
+            <a:extLst>
+              <a:ext uri="{FF2B5EF4-FFF2-40B4-BE49-F238E27FC236}">
+                <a16:creationId xmlns:a16="http://schemas.microsoft.com/office/drawing/2014/main" id="{4AE9D071-98CF-435C-BD2B-976514544DC5}"/>
+              </a:ext>
+              <a:ext uri="{C183D7F6-B498-43B3-948B-1728B52AA6E4}">
+                <adec:decorative xmlns:adec="http://schemas.microsoft.com/office/drawing/2017/decorative" val="1"/>
+              </a:ext>
+            </a:extLst>
+          </p:cNvPr>
+          <p:cNvSpPr>
+            <a:spLocks noChangeAspect="1"/>
+          </p:cNvSpPr>
+          <p:nvPr>
+            <p:extLst>
+              <p:ext uri="{386F3935-93C4-4BCD-93E2-E3B085C9AB24}">
+                <p16:designElem xmlns:p16="http://schemas.microsoft.com/office/powerpoint/2015/main" val="1"/>
+              </p:ext>
+            </p:extLst>
+          </p:nvPr>
+        </p:nvSpPr>
+        <p:spPr>
+          <a:xfrm>
+            <a:off x="0" y="0"/>
+            <a:ext cx="12192000" cy="6858000"/>
+          </a:xfrm>
+          <a:prstGeom prst="rect">
+            <a:avLst/>
+          </a:prstGeom>
+          <a:ln>
+            <a:noFill/>
+          </a:ln>
+        </p:spPr>
+        <p:style>
+          <a:lnRef idx="2">
+            <a:schemeClr val="accent1">
+              <a:shade val="50000"/>
+            </a:schemeClr>
+          </a:lnRef>
+          <a:fillRef idx="1">
+            <a:schemeClr val="accent1"/>
+          </a:fillRef>
+          <a:effectRef idx="0">
+            <a:schemeClr val="accent1"/>
+          </a:effectRef>
+          <a:fontRef idx="minor">
+            <a:schemeClr val="lt1"/>
+          </a:fontRef>
+        </p:style>
+        <p:txBody>
+          <a:bodyPr rtlCol="0" anchor="ctr"/>
+          <a:lstStyle/>
+          <a:p>
+            <a:pPr algn="ctr" rtl="0"/>
+            <a:endParaRPr lang="de-DE" dirty="0"/>
+          </a:p>
+        </p:txBody>
+      </p:sp>
+      <p:pic>
+        <p:nvPicPr>
+          <p:cNvPr id="8" name="Inhaltsplatzhalter 4" descr="Digitale Zahlen">
+            <a:extLst>
+              <a:ext uri="{FF2B5EF4-FFF2-40B4-BE49-F238E27FC236}">
+                <a16:creationId xmlns:a16="http://schemas.microsoft.com/office/drawing/2014/main" id="{EA70616B-E344-4856-8DF9-707C26236613}"/>
+              </a:ext>
+            </a:extLst>
+          </p:cNvPr>
+          <p:cNvPicPr>
+            <a:picLocks noChangeAspect="1"/>
+          </p:cNvPicPr>
+          <p:nvPr/>
+        </p:nvPicPr>
+        <p:blipFill rotWithShape="1">
+          <a:blip r:embed="rId3" cstate="screen">
+            <a:extLst>
+              <a:ext uri="{28A0092B-C50C-407E-A947-70E740481C1C}">
+                <a14:useLocalDpi xmlns:a14="http://schemas.microsoft.com/office/drawing/2010/main"/>
+              </a:ext>
+            </a:extLst>
+          </a:blip>
+          <a:srcRect t="10681" r="9091" b="12711"/>
+          <a:stretch/>
+        </p:blipFill>
+        <p:spPr>
+          <a:xfrm>
+            <a:off x="0" y="-85959"/>
+            <a:ext cx="12191980" cy="6857990"/>
+          </a:xfrm>
+          <a:prstGeom prst="rect">
+            <a:avLst/>
+          </a:prstGeom>
+        </p:spPr>
+      </p:pic>
+      <p:grpSp>
+        <p:nvGrpSpPr>
+          <p:cNvPr id="15" name="Gruppieren 14">
+            <a:extLst>
+              <a:ext uri="{FF2B5EF4-FFF2-40B4-BE49-F238E27FC236}">
+                <a16:creationId xmlns:a16="http://schemas.microsoft.com/office/drawing/2014/main" id="{D619FC33-16ED-4246-9596-BEFEB55E4CF6}"/>
+              </a:ext>
+              <a:ext uri="{C183D7F6-B498-43B3-948B-1728B52AA6E4}">
+                <adec:decorative xmlns:adec="http://schemas.microsoft.com/office/drawing/2017/decorative" val="1"/>
+              </a:ext>
+            </a:extLst>
+          </p:cNvPr>
+          <p:cNvGrpSpPr>
+            <a:grpSpLocks noChangeAspect="1"/>
+          </p:cNvGrpSpPr>
+          <p:nvPr>
+            <p:extLst>
+              <p:ext uri="{386F3935-93C4-4BCD-93E2-E3B085C9AB24}">
+                <p16:designElem xmlns:p16="http://schemas.microsoft.com/office/powerpoint/2015/main" val="1"/>
+              </p:ext>
+            </p:extLst>
+          </p:nvPr>
+        </p:nvGrpSpPr>
+        <p:grpSpPr>
+          <a:xfrm>
+            <a:off x="438067" y="457200"/>
+            <a:ext cx="7507083" cy="5935132"/>
+            <a:chOff x="438067" y="457200"/>
+            <a:chExt cx="7507083" cy="5935132"/>
+          </a:xfrm>
+        </p:grpSpPr>
+        <p:sp>
+          <p:nvSpPr>
+            <p:cNvPr id="16" name="Rechteck 15">
+              <a:extLst>
+                <a:ext uri="{FF2B5EF4-FFF2-40B4-BE49-F238E27FC236}">
+                  <a16:creationId xmlns:a16="http://schemas.microsoft.com/office/drawing/2014/main" id="{2EEA80E1-F99F-4009-837F-2F72F8A5D580}"/>
+                </a:ext>
+                <a:ext uri="{C183D7F6-B498-43B3-948B-1728B52AA6E4}">
+                  <adec:decorative xmlns:adec="http://schemas.microsoft.com/office/drawing/2017/decorative" val="1"/>
+                </a:ext>
+              </a:extLst>
+            </p:cNvPr>
+            <p:cNvSpPr>
+              <a:spLocks/>
+            </p:cNvSpPr>
+            <p:nvPr>
+              <p:extLst>
+                <p:ext uri="{386F3935-93C4-4BCD-93E2-E3B085C9AB24}">
+                  <p16:designElem xmlns:p16="http://schemas.microsoft.com/office/powerpoint/2015/main" val="1"/>
+                </p:ext>
+              </p:extLst>
+            </p:nvPr>
+          </p:nvSpPr>
+          <p:spPr>
+            <a:xfrm>
+              <a:off x="438067" y="618067"/>
+              <a:ext cx="7503665" cy="5774265"/>
+            </a:xfrm>
+            <a:prstGeom prst="rect">
+              <a:avLst/>
+            </a:prstGeom>
+            <a:solidFill>
+              <a:schemeClr val="accent1">
+                <a:alpha val="97000"/>
+              </a:schemeClr>
+            </a:solidFill>
+            <a:ln w="6350" cmpd="sng">
+              <a:noFill/>
+            </a:ln>
+            <a:effectLst/>
+          </p:spPr>
+          <p:style>
+            <a:lnRef idx="1">
+              <a:schemeClr val="accent1"/>
+            </a:lnRef>
+            <a:fillRef idx="3">
+              <a:schemeClr val="accent1"/>
+            </a:fillRef>
+            <a:effectRef idx="2">
+              <a:schemeClr val="accent1"/>
+            </a:effectRef>
+            <a:fontRef idx="minor">
+              <a:schemeClr val="lt1"/>
+            </a:fontRef>
+          </p:style>
+        </p:sp>
+        <p:sp>
+          <p:nvSpPr>
+            <p:cNvPr id="17" name="Rechteck 16">
+              <a:extLst>
+                <a:ext uri="{FF2B5EF4-FFF2-40B4-BE49-F238E27FC236}">
+                  <a16:creationId xmlns:a16="http://schemas.microsoft.com/office/drawing/2014/main" id="{0230AF9A-4641-4BD8-9F95-9607CD304039}"/>
+                </a:ext>
+                <a:ext uri="{C183D7F6-B498-43B3-948B-1728B52AA6E4}">
+                  <adec:decorative xmlns:adec="http://schemas.microsoft.com/office/drawing/2017/decorative" val="1"/>
+                </a:ext>
+              </a:extLst>
+            </p:cNvPr>
+            <p:cNvSpPr>
+              <a:spLocks/>
+            </p:cNvSpPr>
+            <p:nvPr>
+              <p:extLst>
+                <p:ext uri="{386F3935-93C4-4BCD-93E2-E3B085C9AB24}">
+                  <p16:designElem xmlns:p16="http://schemas.microsoft.com/office/powerpoint/2015/main" val="1"/>
+                </p:ext>
+              </p:extLst>
+            </p:nvPr>
+          </p:nvSpPr>
+          <p:spPr>
+            <a:xfrm>
+              <a:off x="438068" y="457200"/>
+              <a:ext cx="3703320" cy="94997"/>
+            </a:xfrm>
+            <a:prstGeom prst="rect">
+              <a:avLst/>
+            </a:prstGeom>
+            <a:solidFill>
+              <a:schemeClr val="accent1"/>
+            </a:solidFill>
+            <a:ln>
+              <a:noFill/>
+            </a:ln>
+            <a:effectLst/>
+          </p:spPr>
+          <p:style>
+            <a:lnRef idx="1">
+              <a:schemeClr val="accent1"/>
+            </a:lnRef>
+            <a:fillRef idx="3">
+              <a:schemeClr val="accent1"/>
+            </a:fillRef>
+            <a:effectRef idx="2">
+              <a:schemeClr val="accent1"/>
+            </a:effectRef>
+            <a:fontRef idx="minor">
+              <a:schemeClr val="lt1"/>
+            </a:fontRef>
+          </p:style>
+        </p:sp>
+        <p:sp>
+          <p:nvSpPr>
+            <p:cNvPr id="18" name="Rechteck 17">
+              <a:extLst>
+                <a:ext uri="{FF2B5EF4-FFF2-40B4-BE49-F238E27FC236}">
+                  <a16:creationId xmlns:a16="http://schemas.microsoft.com/office/drawing/2014/main" id="{8703D4EC-9389-41B6-B88B-B6FDC8CD3330}"/>
+                </a:ext>
+                <a:ext uri="{C183D7F6-B498-43B3-948B-1728B52AA6E4}">
+                  <adec:decorative xmlns:adec="http://schemas.microsoft.com/office/drawing/2017/decorative" val="1"/>
+                </a:ext>
+              </a:extLst>
+            </p:cNvPr>
+            <p:cNvSpPr>
+              <a:spLocks/>
+            </p:cNvSpPr>
+            <p:nvPr>
+              <p:extLst>
+                <p:ext uri="{386F3935-93C4-4BCD-93E2-E3B085C9AB24}">
+                  <p16:designElem xmlns:p16="http://schemas.microsoft.com/office/powerpoint/2015/main" val="1"/>
+                </p:ext>
+              </p:extLst>
+            </p:nvPr>
+          </p:nvSpPr>
+          <p:spPr>
+            <a:xfrm>
+              <a:off x="4241830" y="457200"/>
+              <a:ext cx="3703320" cy="91440"/>
+            </a:xfrm>
+            <a:prstGeom prst="rect">
+              <a:avLst/>
+            </a:prstGeom>
+            <a:solidFill>
+              <a:schemeClr val="accent2"/>
+            </a:solidFill>
+            <a:ln>
+              <a:noFill/>
+            </a:ln>
+            <a:effectLst/>
+          </p:spPr>
+          <p:style>
+            <a:lnRef idx="1">
+              <a:schemeClr val="accent1"/>
+            </a:lnRef>
+            <a:fillRef idx="3">
+              <a:schemeClr val="accent1"/>
+            </a:fillRef>
+            <a:effectRef idx="2">
+              <a:schemeClr val="accent1"/>
+            </a:effectRef>
+            <a:fontRef idx="minor">
+              <a:schemeClr val="lt1"/>
+            </a:fontRef>
+          </p:style>
+        </p:sp>
+      </p:grpSp>
+      <p:sp>
+        <p:nvSpPr>
+          <p:cNvPr id="2" name="Titel 1">
+            <a:extLst>
+              <a:ext uri="{FF2B5EF4-FFF2-40B4-BE49-F238E27FC236}">
+                <a16:creationId xmlns:a16="http://schemas.microsoft.com/office/drawing/2014/main" id="{7F2616EE-270D-4F4C-BA1F-2708D387B800}"/>
+              </a:ext>
+            </a:extLst>
+          </p:cNvPr>
+          <p:cNvSpPr>
+            <a:spLocks noGrp="1"/>
+          </p:cNvSpPr>
+          <p:nvPr>
+            <p:ph type="title"/>
+          </p:nvPr>
+        </p:nvSpPr>
+        <p:spPr>
+          <a:xfrm>
+            <a:off x="584200" y="1006956"/>
+            <a:ext cx="7213600" cy="1121871"/>
+          </a:xfrm>
+        </p:spPr>
+        <p:txBody>
+          <a:bodyPr rtlCol="0" anchor="ctr">
+            <a:normAutofit/>
+          </a:bodyPr>
+          <a:lstStyle/>
+          <a:p>
+            <a:pPr algn="ctr" rtl="0"/>
+            <a:r>
+              <a:rPr lang="de-DE" dirty="0" err="1"/>
+              <a:t>What</a:t>
+            </a:r>
+            <a:r>
+              <a:rPr lang="de-DE" dirty="0"/>
+              <a:t> </a:t>
+            </a:r>
+            <a:r>
+              <a:rPr lang="de-DE" dirty="0" err="1"/>
+              <a:t>we‘ve</a:t>
+            </a:r>
+            <a:r>
+              <a:rPr lang="de-DE" dirty="0"/>
+              <a:t> </a:t>
+            </a:r>
+            <a:r>
+              <a:rPr lang="de-DE" dirty="0" err="1"/>
+              <a:t>learned</a:t>
+            </a:r>
+            <a:endParaRPr lang="de-DE" dirty="0"/>
+          </a:p>
+        </p:txBody>
+      </p:sp>
+      <p:graphicFrame>
+        <p:nvGraphicFramePr>
+          <p:cNvPr id="6" name="Inhaltsplatzhalter 5" descr="SmartArt">
+            <a:extLst>
+              <a:ext uri="{FF2B5EF4-FFF2-40B4-BE49-F238E27FC236}">
+                <a16:creationId xmlns:a16="http://schemas.microsoft.com/office/drawing/2014/main" id="{BF629521-FFD2-45DA-9D1D-A5F09BD5A2D9}"/>
+              </a:ext>
+            </a:extLst>
+          </p:cNvPr>
+          <p:cNvGraphicFramePr>
+            <a:graphicFrameLocks noGrp="1"/>
+          </p:cNvGraphicFramePr>
+          <p:nvPr>
+            <p:ph idx="1"/>
+            <p:extLst>
+              <p:ext uri="{D42A27DB-BD31-4B8C-83A1-F6EECF244321}">
+                <p14:modId xmlns:p14="http://schemas.microsoft.com/office/powerpoint/2010/main" val="2102672798"/>
+              </p:ext>
+            </p:extLst>
+          </p:nvPr>
+        </p:nvGraphicFramePr>
+        <p:xfrm>
+          <a:off x="719571" y="2198254"/>
+          <a:ext cx="6854248" cy="3563938"/>
+        </p:xfrm>
+        <a:graphic>
+          <a:graphicData uri="http://schemas.openxmlformats.org/drawingml/2006/diagram">
+            <dgm:relIds xmlns:dgm="http://schemas.openxmlformats.org/drawingml/2006/diagram" xmlns:r="http://schemas.openxmlformats.org/officeDocument/2006/relationships" r:dm="rId4" r:lo="rId5" r:qs="rId6" r:cs="rId7"/>
+          </a:graphicData>
+        </a:graphic>
+      </p:graphicFrame>
+    </p:spTree>
+    <p:extLst>
+      <p:ext uri="{BB962C8B-B14F-4D97-AF65-F5344CB8AC3E}">
+        <p14:creationId xmlns:p14="http://schemas.microsoft.com/office/powerpoint/2010/main" val="4209322005"/>
+      </p:ext>
+    </p:extLst>
+  </p:cSld>
+  <p:clrMapOvr>
+    <a:masterClrMapping/>
+  </p:clrMapOvr>
+</p:sld>
+</file>
+
+<file path=ppt/slides/slide9.xml><?xml version="1.0" encoding="utf-8"?>
+<p:sld xmlns:a="http://schemas.openxmlformats.org/drawingml/2006/main" xmlns:r="http://schemas.openxmlformats.org/officeDocument/2006/relationships" xmlns:p="http://schemas.openxmlformats.org/presentationml/2006/main">
+  <p:cSld>
+    <p:bg>
+      <p:bgPr>
+        <a:solidFill>
+          <a:schemeClr val="bg1"/>
+        </a:solidFill>
+        <a:effectLst/>
+      </p:bgPr>
+    </p:bg>
+    <p:spTree>
+      <p:nvGrpSpPr>
+        <p:cNvPr id="1" name=""/>
+        <p:cNvGrpSpPr/>
+        <p:nvPr/>
+      </p:nvGrpSpPr>
+      <p:grpSpPr>
+        <a:xfrm>
+          <a:off x="0" y="0"/>
+          <a:ext cx="0" cy="0"/>
+          <a:chOff x="0" y="0"/>
+          <a:chExt cx="0" cy="0"/>
+        </a:xfrm>
+      </p:grpSpPr>
+      <p:sp useBgFill="1">
+        <p:nvSpPr>
+          <p:cNvPr id="13" name="Rechteck 12">
+            <a:extLst>
+              <a:ext uri="{FF2B5EF4-FFF2-40B4-BE49-F238E27FC236}">
+                <a16:creationId xmlns:a16="http://schemas.microsoft.com/office/drawing/2014/main" id="{4AE9D071-98CF-435C-BD2B-976514544DC5}"/>
+              </a:ext>
+              <a:ext uri="{C183D7F6-B498-43B3-948B-1728B52AA6E4}">
+                <adec:decorative xmlns:adec="http://schemas.microsoft.com/office/drawing/2017/decorative" val="1"/>
+              </a:ext>
+            </a:extLst>
+          </p:cNvPr>
+          <p:cNvSpPr>
+            <a:spLocks noChangeAspect="1"/>
+          </p:cNvSpPr>
+          <p:nvPr>
+            <p:extLst>
+              <p:ext uri="{386F3935-93C4-4BCD-93E2-E3B085C9AB24}">
+                <p16:designElem xmlns:p16="http://schemas.microsoft.com/office/powerpoint/2015/main" val="1"/>
+              </p:ext>
+            </p:extLst>
+          </p:nvPr>
+        </p:nvSpPr>
+        <p:spPr>
+          <a:xfrm>
+            <a:off x="0" y="0"/>
+            <a:ext cx="12192000" cy="6858000"/>
+          </a:xfrm>
+          <a:prstGeom prst="rect">
+            <a:avLst/>
+          </a:prstGeom>
+          <a:ln>
+            <a:noFill/>
+          </a:ln>
+        </p:spPr>
+        <p:style>
+          <a:lnRef idx="2">
+            <a:schemeClr val="accent1">
+              <a:shade val="50000"/>
+            </a:schemeClr>
+          </a:lnRef>
+          <a:fillRef idx="1">
+            <a:schemeClr val="accent1"/>
+          </a:fillRef>
+          <a:effectRef idx="0">
+            <a:schemeClr val="accent1"/>
+          </a:effectRef>
+          <a:fontRef idx="minor">
+            <a:schemeClr val="lt1"/>
+          </a:fontRef>
+        </p:style>
+        <p:txBody>
+          <a:bodyPr rtlCol="0" anchor="ctr"/>
+          <a:lstStyle/>
+          <a:p>
+            <a:pPr algn="ctr" rtl="0"/>
+            <a:endParaRPr lang="de-DE" dirty="0"/>
+          </a:p>
+        </p:txBody>
+      </p:sp>
+      <p:pic>
+        <p:nvPicPr>
+          <p:cNvPr id="8" name="Inhaltsplatzhalter 4" descr="Digitale Zahlen">
+            <a:extLst>
+              <a:ext uri="{FF2B5EF4-FFF2-40B4-BE49-F238E27FC236}">
+                <a16:creationId xmlns:a16="http://schemas.microsoft.com/office/drawing/2014/main" id="{EA70616B-E344-4856-8DF9-707C26236613}"/>
+              </a:ext>
+            </a:extLst>
+          </p:cNvPr>
+          <p:cNvPicPr>
+            <a:picLocks noChangeAspect="1"/>
+          </p:cNvPicPr>
+          <p:nvPr/>
+        </p:nvPicPr>
+        <p:blipFill rotWithShape="1">
+          <a:blip r:embed="rId3" cstate="screen">
+            <a:extLst>
+              <a:ext uri="{28A0092B-C50C-407E-A947-70E740481C1C}">
+                <a14:useLocalDpi xmlns:a14="http://schemas.microsoft.com/office/drawing/2010/main"/>
+              </a:ext>
+            </a:extLst>
+          </a:blip>
+          <a:srcRect t="10681" r="9091" b="12711"/>
+          <a:stretch/>
+        </p:blipFill>
+        <p:spPr>
+          <a:xfrm>
+            <a:off x="0" y="-85959"/>
+            <a:ext cx="12191980" cy="6857990"/>
+          </a:xfrm>
+          <a:prstGeom prst="rect">
+            <a:avLst/>
+          </a:prstGeom>
+        </p:spPr>
+      </p:pic>
+      <p:grpSp>
+        <p:nvGrpSpPr>
+          <p:cNvPr id="15" name="Gruppieren 14">
+            <a:extLst>
+              <a:ext uri="{FF2B5EF4-FFF2-40B4-BE49-F238E27FC236}">
+                <a16:creationId xmlns:a16="http://schemas.microsoft.com/office/drawing/2014/main" id="{D619FC33-16ED-4246-9596-BEFEB55E4CF6}"/>
+              </a:ext>
+              <a:ext uri="{C183D7F6-B498-43B3-948B-1728B52AA6E4}">
+                <adec:decorative xmlns:adec="http://schemas.microsoft.com/office/drawing/2017/decorative" val="1"/>
+              </a:ext>
+            </a:extLst>
+          </p:cNvPr>
+          <p:cNvGrpSpPr>
+            <a:grpSpLocks noChangeAspect="1"/>
+          </p:cNvGrpSpPr>
+          <p:nvPr>
+            <p:extLst>
+              <p:ext uri="{386F3935-93C4-4BCD-93E2-E3B085C9AB24}">
+                <p16:designElem xmlns:p16="http://schemas.microsoft.com/office/powerpoint/2015/main" val="1"/>
+              </p:ext>
+            </p:extLst>
+          </p:nvPr>
+        </p:nvGrpSpPr>
+        <p:grpSpPr>
+          <a:xfrm>
+            <a:off x="438067" y="457200"/>
+            <a:ext cx="7507083" cy="5935132"/>
+            <a:chOff x="438067" y="457200"/>
+            <a:chExt cx="7507083" cy="5935132"/>
+          </a:xfrm>
+        </p:grpSpPr>
+        <p:sp>
+          <p:nvSpPr>
+            <p:cNvPr id="16" name="Rechteck 15">
+              <a:extLst>
+                <a:ext uri="{FF2B5EF4-FFF2-40B4-BE49-F238E27FC236}">
+                  <a16:creationId xmlns:a16="http://schemas.microsoft.com/office/drawing/2014/main" id="{2EEA80E1-F99F-4009-837F-2F72F8A5D580}"/>
+                </a:ext>
+                <a:ext uri="{C183D7F6-B498-43B3-948B-1728B52AA6E4}">
+                  <adec:decorative xmlns:adec="http://schemas.microsoft.com/office/drawing/2017/decorative" val="1"/>
+                </a:ext>
+              </a:extLst>
+            </p:cNvPr>
+            <p:cNvSpPr>
+              <a:spLocks/>
+            </p:cNvSpPr>
+            <p:nvPr>
+              <p:extLst>
+                <p:ext uri="{386F3935-93C4-4BCD-93E2-E3B085C9AB24}">
+                  <p16:designElem xmlns:p16="http://schemas.microsoft.com/office/powerpoint/2015/main" val="1"/>
+                </p:ext>
+              </p:extLst>
+            </p:nvPr>
+          </p:nvSpPr>
+          <p:spPr>
+            <a:xfrm>
+              <a:off x="438067" y="618067"/>
+              <a:ext cx="7503665" cy="5774265"/>
+            </a:xfrm>
+            <a:prstGeom prst="rect">
+              <a:avLst/>
+            </a:prstGeom>
+            <a:solidFill>
+              <a:schemeClr val="accent1">
+                <a:alpha val="97000"/>
+              </a:schemeClr>
+            </a:solidFill>
+            <a:ln w="6350" cmpd="sng">
+              <a:noFill/>
+            </a:ln>
+            <a:effectLst/>
+          </p:spPr>
+          <p:style>
+            <a:lnRef idx="1">
+              <a:schemeClr val="accent1"/>
+            </a:lnRef>
+            <a:fillRef idx="3">
+              <a:schemeClr val="accent1"/>
+            </a:fillRef>
+            <a:effectRef idx="2">
+              <a:schemeClr val="accent1"/>
+            </a:effectRef>
+            <a:fontRef idx="minor">
+              <a:schemeClr val="lt1"/>
+            </a:fontRef>
+          </p:style>
+        </p:sp>
+        <p:sp>
+          <p:nvSpPr>
+            <p:cNvPr id="17" name="Rechteck 16">
+              <a:extLst>
+                <a:ext uri="{FF2B5EF4-FFF2-40B4-BE49-F238E27FC236}">
+                  <a16:creationId xmlns:a16="http://schemas.microsoft.com/office/drawing/2014/main" id="{0230AF9A-4641-4BD8-9F95-9607CD304039}"/>
+                </a:ext>
+                <a:ext uri="{C183D7F6-B498-43B3-948B-1728B52AA6E4}">
+                  <adec:decorative xmlns:adec="http://schemas.microsoft.com/office/drawing/2017/decorative" val="1"/>
+                </a:ext>
+              </a:extLst>
+            </p:cNvPr>
+            <p:cNvSpPr>
+              <a:spLocks/>
+            </p:cNvSpPr>
+            <p:nvPr>
+              <p:extLst>
+                <p:ext uri="{386F3935-93C4-4BCD-93E2-E3B085C9AB24}">
+                  <p16:designElem xmlns:p16="http://schemas.microsoft.com/office/powerpoint/2015/main" val="1"/>
+                </p:ext>
+              </p:extLst>
+            </p:nvPr>
+          </p:nvSpPr>
+          <p:spPr>
+            <a:xfrm>
+              <a:off x="438068" y="457200"/>
+              <a:ext cx="3703320" cy="94997"/>
+            </a:xfrm>
+            <a:prstGeom prst="rect">
+              <a:avLst/>
+            </a:prstGeom>
+            <a:solidFill>
+              <a:schemeClr val="accent1"/>
+            </a:solidFill>
+            <a:ln>
+              <a:noFill/>
+            </a:ln>
+            <a:effectLst/>
+          </p:spPr>
+          <p:style>
+            <a:lnRef idx="1">
+              <a:schemeClr val="accent1"/>
+            </a:lnRef>
+            <a:fillRef idx="3">
+              <a:schemeClr val="accent1"/>
+            </a:fillRef>
+            <a:effectRef idx="2">
+              <a:schemeClr val="accent1"/>
+            </a:effectRef>
+            <a:fontRef idx="minor">
+              <a:schemeClr val="lt1"/>
+            </a:fontRef>
+          </p:style>
+        </p:sp>
+        <p:sp>
+          <p:nvSpPr>
+            <p:cNvPr id="18" name="Rechteck 17">
+              <a:extLst>
+                <a:ext uri="{FF2B5EF4-FFF2-40B4-BE49-F238E27FC236}">
+                  <a16:creationId xmlns:a16="http://schemas.microsoft.com/office/drawing/2014/main" id="{8703D4EC-9389-41B6-B88B-B6FDC8CD3330}"/>
+                </a:ext>
+                <a:ext uri="{C183D7F6-B498-43B3-948B-1728B52AA6E4}">
+                  <adec:decorative xmlns:adec="http://schemas.microsoft.com/office/drawing/2017/decorative" val="1"/>
+                </a:ext>
+              </a:extLst>
+            </p:cNvPr>
+            <p:cNvSpPr>
+              <a:spLocks/>
+            </p:cNvSpPr>
+            <p:nvPr>
+              <p:extLst>
+                <p:ext uri="{386F3935-93C4-4BCD-93E2-E3B085C9AB24}">
+                  <p16:designElem xmlns:p16="http://schemas.microsoft.com/office/powerpoint/2015/main" val="1"/>
+                </p:ext>
+              </p:extLst>
+            </p:nvPr>
+          </p:nvSpPr>
+          <p:spPr>
+            <a:xfrm>
+              <a:off x="4241830" y="457200"/>
+              <a:ext cx="3703320" cy="91440"/>
+            </a:xfrm>
+            <a:prstGeom prst="rect">
+              <a:avLst/>
+            </a:prstGeom>
+            <a:solidFill>
+              <a:schemeClr val="accent2"/>
+            </a:solidFill>
+            <a:ln>
+              <a:noFill/>
+            </a:ln>
+            <a:effectLst/>
+          </p:spPr>
+          <p:style>
+            <a:lnRef idx="1">
+              <a:schemeClr val="accent1"/>
+            </a:lnRef>
+            <a:fillRef idx="3">
+              <a:schemeClr val="accent1"/>
+            </a:fillRef>
+            <a:effectRef idx="2">
+              <a:schemeClr val="accent1"/>
+            </a:effectRef>
+            <a:fontRef idx="minor">
+              <a:schemeClr val="lt1"/>
+            </a:fontRef>
+          </p:style>
+        </p:sp>
+      </p:grpSp>
+      <p:sp>
+        <p:nvSpPr>
+          <p:cNvPr id="2" name="Titel 1">
+            <a:extLst>
+              <a:ext uri="{FF2B5EF4-FFF2-40B4-BE49-F238E27FC236}">
+                <a16:creationId xmlns:a16="http://schemas.microsoft.com/office/drawing/2014/main" id="{7F2616EE-270D-4F4C-BA1F-2708D387B800}"/>
+              </a:ext>
+            </a:extLst>
+          </p:cNvPr>
+          <p:cNvSpPr>
+            <a:spLocks noGrp="1"/>
+          </p:cNvSpPr>
+          <p:nvPr>
+            <p:ph type="title"/>
+          </p:nvPr>
+        </p:nvSpPr>
+        <p:spPr>
+          <a:xfrm>
+            <a:off x="728132" y="2729136"/>
+            <a:ext cx="7213600" cy="1121871"/>
+          </a:xfrm>
+        </p:spPr>
+        <p:txBody>
+          <a:bodyPr rtlCol="0" anchor="ctr">
+            <a:normAutofit/>
+          </a:bodyPr>
+          <a:lstStyle/>
+          <a:p>
+            <a:pPr algn="ctr" rtl="0"/>
+            <a:r>
+              <a:rPr lang="de-DE" dirty="0" err="1"/>
+              <a:t>What</a:t>
+            </a:r>
+            <a:r>
+              <a:rPr lang="de-DE" dirty="0"/>
+              <a:t> </a:t>
+            </a:r>
+            <a:r>
+              <a:rPr lang="de-DE" dirty="0" err="1"/>
+              <a:t>we‘ve</a:t>
+            </a:r>
+            <a:r>
+              <a:rPr lang="de-DE" dirty="0"/>
+              <a:t> </a:t>
+            </a:r>
+            <a:r>
+              <a:rPr lang="de-DE" dirty="0" err="1"/>
+              <a:t>learned</a:t>
+            </a:r>
+            <a:endParaRPr lang="de-DE" dirty="0"/>
+          </a:p>
+        </p:txBody>
+      </p:sp>
+    </p:spTree>
+    <p:extLst>
+      <p:ext uri="{BB962C8B-B14F-4D97-AF65-F5344CB8AC3E}">
+        <p14:creationId xmlns:p14="http://schemas.microsoft.com/office/powerpoint/2010/main" val="760434715"/>
       </p:ext>
     </p:extLst>
   </p:cSld>
